--- a/tex/figure_si_magnitude.pptx
+++ b/tex/figure_si_magnitude.pptx
@@ -2,12 +2,12 @@
 <file path=ppt/presentation.xml><?xml version="1.0" encoding="utf-8"?>
 <p:presentation xmlns:a="http://schemas.openxmlformats.org/drawingml/2006/main" xmlns:r="http://schemas.openxmlformats.org/officeDocument/2006/relationships" xmlns:p="http://schemas.openxmlformats.org/presentationml/2006/main" saveSubsetFonts="1">
   <p:sldMasterIdLst>
-    <p:sldMasterId id="2147483708" r:id="rId1"/>
+    <p:sldMasterId id="2147483768" r:id="rId1"/>
   </p:sldMasterIdLst>
   <p:sldIdLst>
     <p:sldId id="257" r:id="rId2"/>
   </p:sldIdLst>
-  <p:sldSz cx="5943600" cy="6858000"/>
+  <p:sldSz cx="5943600" cy="5668963"/>
   <p:notesSz cx="6858000" cy="9144000"/>
   <p:defaultTextStyle>
     <a:defPPr>
@@ -104,7 +104,419 @@
       </a:defRPr>
     </a:lvl9pPr>
   </p:defaultTextStyle>
+  <p:extLst>
+    <p:ext uri="{EFAFB233-063F-42B5-8137-9DF3F51BA10A}">
+      <p15:sldGuideLst xmlns:p15="http://schemas.microsoft.com/office/powerpoint/2012/main"/>
+    </p:ext>
+  </p:extLst>
 </p:presentation>
+</file>
+
+<file path=ppt/revisionInfo.xml><?xml version="1.0" encoding="utf-8"?>
+<p1510:revInfo xmlns:a="http://schemas.openxmlformats.org/drawingml/2006/main" xmlns:r="http://schemas.openxmlformats.org/officeDocument/2006/relationships" xmlns:p1510="http://schemas.microsoft.com/office/powerpoint/2015/10/main">
+  <p1510:revLst>
+    <p1510:client id="{35BF1FDE-9884-4C57-991E-3B7359E1801E}" v="15" dt="2025-08-18T20:43:48.595"/>
+  </p1510:revLst>
+</p1510:revInfo>
+</file>
+
+<file path=ppt/changesInfos/changesInfo1.xml><?xml version="1.0" encoding="utf-8"?>
+<pc:chgInfo xmlns:a="http://schemas.openxmlformats.org/drawingml/2006/main" xmlns:r="http://schemas.openxmlformats.org/officeDocument/2006/relationships" xmlns:ac="http://schemas.microsoft.com/office/drawing/2013/main/command" xmlns:pc="http://schemas.microsoft.com/office/powerpoint/2013/main/command">
+  <pc:docChgLst>
+    <pc:chgData name="Akira Terui" userId="3f83de79-c81c-43e2-ac56-bbb755c07a02" providerId="ADAL" clId="{35BF1FDE-9884-4C57-991E-3B7359E1801E}"/>
+    <pc:docChg chg="undo custSel modSld modMainMaster">
+      <pc:chgData name="Akira Terui" userId="3f83de79-c81c-43e2-ac56-bbb755c07a02" providerId="ADAL" clId="{35BF1FDE-9884-4C57-991E-3B7359E1801E}" dt="2025-08-18T20:43:16.108" v="113" actId="1036"/>
+      <pc:docMkLst>
+        <pc:docMk/>
+      </pc:docMkLst>
+      <pc:sldChg chg="delSp modSp mod">
+        <pc:chgData name="Akira Terui" userId="3f83de79-c81c-43e2-ac56-bbb755c07a02" providerId="ADAL" clId="{35BF1FDE-9884-4C57-991E-3B7359E1801E}" dt="2025-08-18T20:43:16.108" v="113" actId="1036"/>
+        <pc:sldMkLst>
+          <pc:docMk/>
+          <pc:sldMk cId="853386779" sldId="257"/>
+        </pc:sldMkLst>
+        <pc:spChg chg="mod">
+          <ac:chgData name="Akira Terui" userId="3f83de79-c81c-43e2-ac56-bbb755c07a02" providerId="ADAL" clId="{35BF1FDE-9884-4C57-991E-3B7359E1801E}" dt="2025-08-18T20:43:00.127" v="81"/>
+          <ac:spMkLst>
+            <pc:docMk/>
+            <pc:sldMk cId="853386779" sldId="257"/>
+            <ac:spMk id="29" creationId="{25C8DE81-3AAD-B2EB-74BD-D3804790CC07}"/>
+          </ac:spMkLst>
+        </pc:spChg>
+        <pc:spChg chg="mod">
+          <ac:chgData name="Akira Terui" userId="3f83de79-c81c-43e2-ac56-bbb755c07a02" providerId="ADAL" clId="{35BF1FDE-9884-4C57-991E-3B7359E1801E}" dt="2025-08-18T20:43:00.127" v="81"/>
+          <ac:spMkLst>
+            <pc:docMk/>
+            <pc:sldMk cId="853386779" sldId="257"/>
+            <ac:spMk id="31" creationId="{3B95D345-6D24-17DD-15EB-9701461B72DB}"/>
+          </ac:spMkLst>
+        </pc:spChg>
+        <pc:spChg chg="mod">
+          <ac:chgData name="Akira Terui" userId="3f83de79-c81c-43e2-ac56-bbb755c07a02" providerId="ADAL" clId="{35BF1FDE-9884-4C57-991E-3B7359E1801E}" dt="2025-08-18T20:43:00.127" v="81"/>
+          <ac:spMkLst>
+            <pc:docMk/>
+            <pc:sldMk cId="853386779" sldId="257"/>
+            <ac:spMk id="32" creationId="{04A787F8-BB31-EE2C-BC53-96FD790274F6}"/>
+          </ac:spMkLst>
+        </pc:spChg>
+        <pc:spChg chg="mod">
+          <ac:chgData name="Akira Terui" userId="3f83de79-c81c-43e2-ac56-bbb755c07a02" providerId="ADAL" clId="{35BF1FDE-9884-4C57-991E-3B7359E1801E}" dt="2025-08-18T20:43:00.127" v="81"/>
+          <ac:spMkLst>
+            <pc:docMk/>
+            <pc:sldMk cId="853386779" sldId="257"/>
+            <ac:spMk id="48" creationId="{15F0CB5D-BA5E-4D7F-9F48-642FE7B45F70}"/>
+          </ac:spMkLst>
+        </pc:spChg>
+        <pc:spChg chg="mod">
+          <ac:chgData name="Akira Terui" userId="3f83de79-c81c-43e2-ac56-bbb755c07a02" providerId="ADAL" clId="{35BF1FDE-9884-4C57-991E-3B7359E1801E}" dt="2025-08-18T20:43:00.127" v="81"/>
+          <ac:spMkLst>
+            <pc:docMk/>
+            <pc:sldMk cId="853386779" sldId="257"/>
+            <ac:spMk id="50" creationId="{07B86C2B-1DCE-6269-D061-80EFA11131AB}"/>
+          </ac:spMkLst>
+        </pc:spChg>
+        <pc:spChg chg="mod">
+          <ac:chgData name="Akira Terui" userId="3f83de79-c81c-43e2-ac56-bbb755c07a02" providerId="ADAL" clId="{35BF1FDE-9884-4C57-991E-3B7359E1801E}" dt="2025-08-18T20:43:00.127" v="81"/>
+          <ac:spMkLst>
+            <pc:docMk/>
+            <pc:sldMk cId="853386779" sldId="257"/>
+            <ac:spMk id="57" creationId="{C03BD8F7-1037-EB3E-ECFD-B1BC932560EB}"/>
+          </ac:spMkLst>
+        </pc:spChg>
+        <pc:spChg chg="mod">
+          <ac:chgData name="Akira Terui" userId="3f83de79-c81c-43e2-ac56-bbb755c07a02" providerId="ADAL" clId="{35BF1FDE-9884-4C57-991E-3B7359E1801E}" dt="2025-08-18T20:43:00.127" v="81"/>
+          <ac:spMkLst>
+            <pc:docMk/>
+            <pc:sldMk cId="853386779" sldId="257"/>
+            <ac:spMk id="58" creationId="{042C3B17-657F-7F53-525F-D69CFFDE9B7A}"/>
+          </ac:spMkLst>
+        </pc:spChg>
+        <pc:spChg chg="mod">
+          <ac:chgData name="Akira Terui" userId="3f83de79-c81c-43e2-ac56-bbb755c07a02" providerId="ADAL" clId="{35BF1FDE-9884-4C57-991E-3B7359E1801E}" dt="2025-08-18T20:43:00.127" v="81"/>
+          <ac:spMkLst>
+            <pc:docMk/>
+            <pc:sldMk cId="853386779" sldId="257"/>
+            <ac:spMk id="59" creationId="{51D8687F-5223-7B34-0FC7-EABAB0D48B82}"/>
+          </ac:spMkLst>
+        </pc:spChg>
+        <pc:spChg chg="del mod topLvl">
+          <ac:chgData name="Akira Terui" userId="3f83de79-c81c-43e2-ac56-bbb755c07a02" providerId="ADAL" clId="{35BF1FDE-9884-4C57-991E-3B7359E1801E}" dt="2025-08-18T20:41:41.154" v="14" actId="478"/>
+          <ac:spMkLst>
+            <pc:docMk/>
+            <pc:sldMk cId="853386779" sldId="257"/>
+            <ac:spMk id="61" creationId="{E92E8729-1CDC-5BBA-AF67-830129EAA6E0}"/>
+          </ac:spMkLst>
+        </pc:spChg>
+        <pc:grpChg chg="mod">
+          <ac:chgData name="Akira Terui" userId="3f83de79-c81c-43e2-ac56-bbb755c07a02" providerId="ADAL" clId="{35BF1FDE-9884-4C57-991E-3B7359E1801E}" dt="2025-08-18T20:43:00.127" v="81"/>
+          <ac:grpSpMkLst>
+            <pc:docMk/>
+            <pc:sldMk cId="853386779" sldId="257"/>
+            <ac:grpSpMk id="34" creationId="{9FBB540A-43B9-47C4-0E4F-4657983C4B26}"/>
+          </ac:grpSpMkLst>
+        </pc:grpChg>
+        <pc:grpChg chg="mod">
+          <ac:chgData name="Akira Terui" userId="3f83de79-c81c-43e2-ac56-bbb755c07a02" providerId="ADAL" clId="{35BF1FDE-9884-4C57-991E-3B7359E1801E}" dt="2025-08-18T20:43:00.127" v="81"/>
+          <ac:grpSpMkLst>
+            <pc:docMk/>
+            <pc:sldMk cId="853386779" sldId="257"/>
+            <ac:grpSpMk id="35" creationId="{30A77671-8B6C-373C-AFF2-7AB9239868E9}"/>
+          </ac:grpSpMkLst>
+        </pc:grpChg>
+        <pc:grpChg chg="mod topLvl">
+          <ac:chgData name="Akira Terui" userId="3f83de79-c81c-43e2-ac56-bbb755c07a02" providerId="ADAL" clId="{35BF1FDE-9884-4C57-991E-3B7359E1801E}" dt="2025-08-18T20:43:16.108" v="113" actId="1036"/>
+          <ac:grpSpMkLst>
+            <pc:docMk/>
+            <pc:sldMk cId="853386779" sldId="257"/>
+            <ac:grpSpMk id="60" creationId="{5A74F6FB-5691-00B4-9AAF-9D27FED1A29C}"/>
+          </ac:grpSpMkLst>
+        </pc:grpChg>
+        <pc:grpChg chg="del mod">
+          <ac:chgData name="Akira Terui" userId="3f83de79-c81c-43e2-ac56-bbb755c07a02" providerId="ADAL" clId="{35BF1FDE-9884-4C57-991E-3B7359E1801E}" dt="2025-08-18T20:41:41.154" v="14" actId="478"/>
+          <ac:grpSpMkLst>
+            <pc:docMk/>
+            <pc:sldMk cId="853386779" sldId="257"/>
+            <ac:grpSpMk id="65" creationId="{ABBAA819-4E62-F063-2A21-E7E93B7BEE8A}"/>
+          </ac:grpSpMkLst>
+        </pc:grpChg>
+      </pc:sldChg>
+      <pc:sldMasterChg chg="modSp modSldLayout">
+        <pc:chgData name="Akira Terui" userId="3f83de79-c81c-43e2-ac56-bbb755c07a02" providerId="ADAL" clId="{35BF1FDE-9884-4C57-991E-3B7359E1801E}" dt="2025-08-18T20:43:00.127" v="81"/>
+        <pc:sldMasterMkLst>
+          <pc:docMk/>
+          <pc:sldMasterMk cId="1748336378" sldId="2147483720"/>
+        </pc:sldMasterMkLst>
+        <pc:spChg chg="mod">
+          <ac:chgData name="Akira Terui" userId="3f83de79-c81c-43e2-ac56-bbb755c07a02" providerId="ADAL" clId="{35BF1FDE-9884-4C57-991E-3B7359E1801E}" dt="2025-08-18T20:43:00.127" v="81"/>
+          <ac:spMkLst>
+            <pc:docMk/>
+            <pc:sldMasterMk cId="1748336378" sldId="2147483720"/>
+            <ac:spMk id="2" creationId="{00000000-0000-0000-0000-000000000000}"/>
+          </ac:spMkLst>
+        </pc:spChg>
+        <pc:spChg chg="mod">
+          <ac:chgData name="Akira Terui" userId="3f83de79-c81c-43e2-ac56-bbb755c07a02" providerId="ADAL" clId="{35BF1FDE-9884-4C57-991E-3B7359E1801E}" dt="2025-08-18T20:43:00.127" v="81"/>
+          <ac:spMkLst>
+            <pc:docMk/>
+            <pc:sldMasterMk cId="1748336378" sldId="2147483720"/>
+            <ac:spMk id="3" creationId="{00000000-0000-0000-0000-000000000000}"/>
+          </ac:spMkLst>
+        </pc:spChg>
+        <pc:spChg chg="mod">
+          <ac:chgData name="Akira Terui" userId="3f83de79-c81c-43e2-ac56-bbb755c07a02" providerId="ADAL" clId="{35BF1FDE-9884-4C57-991E-3B7359E1801E}" dt="2025-08-18T20:43:00.127" v="81"/>
+          <ac:spMkLst>
+            <pc:docMk/>
+            <pc:sldMasterMk cId="1748336378" sldId="2147483720"/>
+            <ac:spMk id="4" creationId="{00000000-0000-0000-0000-000000000000}"/>
+          </ac:spMkLst>
+        </pc:spChg>
+        <pc:spChg chg="mod">
+          <ac:chgData name="Akira Terui" userId="3f83de79-c81c-43e2-ac56-bbb755c07a02" providerId="ADAL" clId="{35BF1FDE-9884-4C57-991E-3B7359E1801E}" dt="2025-08-18T20:43:00.127" v="81"/>
+          <ac:spMkLst>
+            <pc:docMk/>
+            <pc:sldMasterMk cId="1748336378" sldId="2147483720"/>
+            <ac:spMk id="5" creationId="{00000000-0000-0000-0000-000000000000}"/>
+          </ac:spMkLst>
+        </pc:spChg>
+        <pc:spChg chg="mod">
+          <ac:chgData name="Akira Terui" userId="3f83de79-c81c-43e2-ac56-bbb755c07a02" providerId="ADAL" clId="{35BF1FDE-9884-4C57-991E-3B7359E1801E}" dt="2025-08-18T20:43:00.127" v="81"/>
+          <ac:spMkLst>
+            <pc:docMk/>
+            <pc:sldMasterMk cId="1748336378" sldId="2147483720"/>
+            <ac:spMk id="6" creationId="{00000000-0000-0000-0000-000000000000}"/>
+          </ac:spMkLst>
+        </pc:spChg>
+        <pc:sldLayoutChg chg="modSp">
+          <pc:chgData name="Akira Terui" userId="3f83de79-c81c-43e2-ac56-bbb755c07a02" providerId="ADAL" clId="{35BF1FDE-9884-4C57-991E-3B7359E1801E}" dt="2025-08-18T20:43:00.127" v="81"/>
+          <pc:sldLayoutMkLst>
+            <pc:docMk/>
+            <pc:sldMasterMk cId="1748336378" sldId="2147483720"/>
+            <pc:sldLayoutMk cId="3974715319" sldId="2147483721"/>
+          </pc:sldLayoutMkLst>
+          <pc:spChg chg="mod">
+            <ac:chgData name="Akira Terui" userId="3f83de79-c81c-43e2-ac56-bbb755c07a02" providerId="ADAL" clId="{35BF1FDE-9884-4C57-991E-3B7359E1801E}" dt="2025-08-18T20:43:00.127" v="81"/>
+            <ac:spMkLst>
+              <pc:docMk/>
+              <pc:sldMasterMk cId="1748336378" sldId="2147483720"/>
+              <pc:sldLayoutMk cId="3974715319" sldId="2147483721"/>
+              <ac:spMk id="2" creationId="{00000000-0000-0000-0000-000000000000}"/>
+            </ac:spMkLst>
+          </pc:spChg>
+          <pc:spChg chg="mod">
+            <ac:chgData name="Akira Terui" userId="3f83de79-c81c-43e2-ac56-bbb755c07a02" providerId="ADAL" clId="{35BF1FDE-9884-4C57-991E-3B7359E1801E}" dt="2025-08-18T20:43:00.127" v="81"/>
+            <ac:spMkLst>
+              <pc:docMk/>
+              <pc:sldMasterMk cId="1748336378" sldId="2147483720"/>
+              <pc:sldLayoutMk cId="3974715319" sldId="2147483721"/>
+              <ac:spMk id="3" creationId="{00000000-0000-0000-0000-000000000000}"/>
+            </ac:spMkLst>
+          </pc:spChg>
+        </pc:sldLayoutChg>
+        <pc:sldLayoutChg chg="modSp">
+          <pc:chgData name="Akira Terui" userId="3f83de79-c81c-43e2-ac56-bbb755c07a02" providerId="ADAL" clId="{35BF1FDE-9884-4C57-991E-3B7359E1801E}" dt="2025-08-18T20:43:00.127" v="81"/>
+          <pc:sldLayoutMkLst>
+            <pc:docMk/>
+            <pc:sldMasterMk cId="1748336378" sldId="2147483720"/>
+            <pc:sldLayoutMk cId="2353094740" sldId="2147483723"/>
+          </pc:sldLayoutMkLst>
+          <pc:spChg chg="mod">
+            <ac:chgData name="Akira Terui" userId="3f83de79-c81c-43e2-ac56-bbb755c07a02" providerId="ADAL" clId="{35BF1FDE-9884-4C57-991E-3B7359E1801E}" dt="2025-08-18T20:43:00.127" v="81"/>
+            <ac:spMkLst>
+              <pc:docMk/>
+              <pc:sldMasterMk cId="1748336378" sldId="2147483720"/>
+              <pc:sldLayoutMk cId="2353094740" sldId="2147483723"/>
+              <ac:spMk id="2" creationId="{00000000-0000-0000-0000-000000000000}"/>
+            </ac:spMkLst>
+          </pc:spChg>
+          <pc:spChg chg="mod">
+            <ac:chgData name="Akira Terui" userId="3f83de79-c81c-43e2-ac56-bbb755c07a02" providerId="ADAL" clId="{35BF1FDE-9884-4C57-991E-3B7359E1801E}" dt="2025-08-18T20:43:00.127" v="81"/>
+            <ac:spMkLst>
+              <pc:docMk/>
+              <pc:sldMasterMk cId="1748336378" sldId="2147483720"/>
+              <pc:sldLayoutMk cId="2353094740" sldId="2147483723"/>
+              <ac:spMk id="3" creationId="{00000000-0000-0000-0000-000000000000}"/>
+            </ac:spMkLst>
+          </pc:spChg>
+        </pc:sldLayoutChg>
+        <pc:sldLayoutChg chg="modSp">
+          <pc:chgData name="Akira Terui" userId="3f83de79-c81c-43e2-ac56-bbb755c07a02" providerId="ADAL" clId="{35BF1FDE-9884-4C57-991E-3B7359E1801E}" dt="2025-08-18T20:43:00.127" v="81"/>
+          <pc:sldLayoutMkLst>
+            <pc:docMk/>
+            <pc:sldMasterMk cId="1748336378" sldId="2147483720"/>
+            <pc:sldLayoutMk cId="1689184874" sldId="2147483724"/>
+          </pc:sldLayoutMkLst>
+          <pc:spChg chg="mod">
+            <ac:chgData name="Akira Terui" userId="3f83de79-c81c-43e2-ac56-bbb755c07a02" providerId="ADAL" clId="{35BF1FDE-9884-4C57-991E-3B7359E1801E}" dt="2025-08-18T20:43:00.127" v="81"/>
+            <ac:spMkLst>
+              <pc:docMk/>
+              <pc:sldMasterMk cId="1748336378" sldId="2147483720"/>
+              <pc:sldLayoutMk cId="1689184874" sldId="2147483724"/>
+              <ac:spMk id="3" creationId="{00000000-0000-0000-0000-000000000000}"/>
+            </ac:spMkLst>
+          </pc:spChg>
+          <pc:spChg chg="mod">
+            <ac:chgData name="Akira Terui" userId="3f83de79-c81c-43e2-ac56-bbb755c07a02" providerId="ADAL" clId="{35BF1FDE-9884-4C57-991E-3B7359E1801E}" dt="2025-08-18T20:43:00.127" v="81"/>
+            <ac:spMkLst>
+              <pc:docMk/>
+              <pc:sldMasterMk cId="1748336378" sldId="2147483720"/>
+              <pc:sldLayoutMk cId="1689184874" sldId="2147483724"/>
+              <ac:spMk id="4" creationId="{00000000-0000-0000-0000-000000000000}"/>
+            </ac:spMkLst>
+          </pc:spChg>
+        </pc:sldLayoutChg>
+        <pc:sldLayoutChg chg="modSp">
+          <pc:chgData name="Akira Terui" userId="3f83de79-c81c-43e2-ac56-bbb755c07a02" providerId="ADAL" clId="{35BF1FDE-9884-4C57-991E-3B7359E1801E}" dt="2025-08-18T20:43:00.127" v="81"/>
+          <pc:sldLayoutMkLst>
+            <pc:docMk/>
+            <pc:sldMasterMk cId="1748336378" sldId="2147483720"/>
+            <pc:sldLayoutMk cId="1285768602" sldId="2147483725"/>
+          </pc:sldLayoutMkLst>
+          <pc:spChg chg="mod">
+            <ac:chgData name="Akira Terui" userId="3f83de79-c81c-43e2-ac56-bbb755c07a02" providerId="ADAL" clId="{35BF1FDE-9884-4C57-991E-3B7359E1801E}" dt="2025-08-18T20:43:00.127" v="81"/>
+            <ac:spMkLst>
+              <pc:docMk/>
+              <pc:sldMasterMk cId="1748336378" sldId="2147483720"/>
+              <pc:sldLayoutMk cId="1285768602" sldId="2147483725"/>
+              <ac:spMk id="2" creationId="{00000000-0000-0000-0000-000000000000}"/>
+            </ac:spMkLst>
+          </pc:spChg>
+          <pc:spChg chg="mod">
+            <ac:chgData name="Akira Terui" userId="3f83de79-c81c-43e2-ac56-bbb755c07a02" providerId="ADAL" clId="{35BF1FDE-9884-4C57-991E-3B7359E1801E}" dt="2025-08-18T20:43:00.127" v="81"/>
+            <ac:spMkLst>
+              <pc:docMk/>
+              <pc:sldMasterMk cId="1748336378" sldId="2147483720"/>
+              <pc:sldLayoutMk cId="1285768602" sldId="2147483725"/>
+              <ac:spMk id="3" creationId="{00000000-0000-0000-0000-000000000000}"/>
+            </ac:spMkLst>
+          </pc:spChg>
+          <pc:spChg chg="mod">
+            <ac:chgData name="Akira Terui" userId="3f83de79-c81c-43e2-ac56-bbb755c07a02" providerId="ADAL" clId="{35BF1FDE-9884-4C57-991E-3B7359E1801E}" dt="2025-08-18T20:43:00.127" v="81"/>
+            <ac:spMkLst>
+              <pc:docMk/>
+              <pc:sldMasterMk cId="1748336378" sldId="2147483720"/>
+              <pc:sldLayoutMk cId="1285768602" sldId="2147483725"/>
+              <ac:spMk id="4" creationId="{00000000-0000-0000-0000-000000000000}"/>
+            </ac:spMkLst>
+          </pc:spChg>
+          <pc:spChg chg="mod">
+            <ac:chgData name="Akira Terui" userId="3f83de79-c81c-43e2-ac56-bbb755c07a02" providerId="ADAL" clId="{35BF1FDE-9884-4C57-991E-3B7359E1801E}" dt="2025-08-18T20:43:00.127" v="81"/>
+            <ac:spMkLst>
+              <pc:docMk/>
+              <pc:sldMasterMk cId="1748336378" sldId="2147483720"/>
+              <pc:sldLayoutMk cId="1285768602" sldId="2147483725"/>
+              <ac:spMk id="5" creationId="{00000000-0000-0000-0000-000000000000}"/>
+            </ac:spMkLst>
+          </pc:spChg>
+          <pc:spChg chg="mod">
+            <ac:chgData name="Akira Terui" userId="3f83de79-c81c-43e2-ac56-bbb755c07a02" providerId="ADAL" clId="{35BF1FDE-9884-4C57-991E-3B7359E1801E}" dt="2025-08-18T20:43:00.127" v="81"/>
+            <ac:spMkLst>
+              <pc:docMk/>
+              <pc:sldMasterMk cId="1748336378" sldId="2147483720"/>
+              <pc:sldLayoutMk cId="1285768602" sldId="2147483725"/>
+              <ac:spMk id="6" creationId="{00000000-0000-0000-0000-000000000000}"/>
+            </ac:spMkLst>
+          </pc:spChg>
+        </pc:sldLayoutChg>
+        <pc:sldLayoutChg chg="modSp">
+          <pc:chgData name="Akira Terui" userId="3f83de79-c81c-43e2-ac56-bbb755c07a02" providerId="ADAL" clId="{35BF1FDE-9884-4C57-991E-3B7359E1801E}" dt="2025-08-18T20:43:00.127" v="81"/>
+          <pc:sldLayoutMkLst>
+            <pc:docMk/>
+            <pc:sldMasterMk cId="1748336378" sldId="2147483720"/>
+            <pc:sldLayoutMk cId="1818444450" sldId="2147483728"/>
+          </pc:sldLayoutMkLst>
+          <pc:spChg chg="mod">
+            <ac:chgData name="Akira Terui" userId="3f83de79-c81c-43e2-ac56-bbb755c07a02" providerId="ADAL" clId="{35BF1FDE-9884-4C57-991E-3B7359E1801E}" dt="2025-08-18T20:43:00.127" v="81"/>
+            <ac:spMkLst>
+              <pc:docMk/>
+              <pc:sldMasterMk cId="1748336378" sldId="2147483720"/>
+              <pc:sldLayoutMk cId="1818444450" sldId="2147483728"/>
+              <ac:spMk id="2" creationId="{00000000-0000-0000-0000-000000000000}"/>
+            </ac:spMkLst>
+          </pc:spChg>
+          <pc:spChg chg="mod">
+            <ac:chgData name="Akira Terui" userId="3f83de79-c81c-43e2-ac56-bbb755c07a02" providerId="ADAL" clId="{35BF1FDE-9884-4C57-991E-3B7359E1801E}" dt="2025-08-18T20:43:00.127" v="81"/>
+            <ac:spMkLst>
+              <pc:docMk/>
+              <pc:sldMasterMk cId="1748336378" sldId="2147483720"/>
+              <pc:sldLayoutMk cId="1818444450" sldId="2147483728"/>
+              <ac:spMk id="3" creationId="{00000000-0000-0000-0000-000000000000}"/>
+            </ac:spMkLst>
+          </pc:spChg>
+          <pc:spChg chg="mod">
+            <ac:chgData name="Akira Terui" userId="3f83de79-c81c-43e2-ac56-bbb755c07a02" providerId="ADAL" clId="{35BF1FDE-9884-4C57-991E-3B7359E1801E}" dt="2025-08-18T20:43:00.127" v="81"/>
+            <ac:spMkLst>
+              <pc:docMk/>
+              <pc:sldMasterMk cId="1748336378" sldId="2147483720"/>
+              <pc:sldLayoutMk cId="1818444450" sldId="2147483728"/>
+              <ac:spMk id="4" creationId="{00000000-0000-0000-0000-000000000000}"/>
+            </ac:spMkLst>
+          </pc:spChg>
+        </pc:sldLayoutChg>
+        <pc:sldLayoutChg chg="modSp">
+          <pc:chgData name="Akira Terui" userId="3f83de79-c81c-43e2-ac56-bbb755c07a02" providerId="ADAL" clId="{35BF1FDE-9884-4C57-991E-3B7359E1801E}" dt="2025-08-18T20:43:00.127" v="81"/>
+          <pc:sldLayoutMkLst>
+            <pc:docMk/>
+            <pc:sldMasterMk cId="1748336378" sldId="2147483720"/>
+            <pc:sldLayoutMk cId="2243860456" sldId="2147483729"/>
+          </pc:sldLayoutMkLst>
+          <pc:spChg chg="mod">
+            <ac:chgData name="Akira Terui" userId="3f83de79-c81c-43e2-ac56-bbb755c07a02" providerId="ADAL" clId="{35BF1FDE-9884-4C57-991E-3B7359E1801E}" dt="2025-08-18T20:43:00.127" v="81"/>
+            <ac:spMkLst>
+              <pc:docMk/>
+              <pc:sldMasterMk cId="1748336378" sldId="2147483720"/>
+              <pc:sldLayoutMk cId="2243860456" sldId="2147483729"/>
+              <ac:spMk id="2" creationId="{00000000-0000-0000-0000-000000000000}"/>
+            </ac:spMkLst>
+          </pc:spChg>
+          <pc:spChg chg="mod">
+            <ac:chgData name="Akira Terui" userId="3f83de79-c81c-43e2-ac56-bbb755c07a02" providerId="ADAL" clId="{35BF1FDE-9884-4C57-991E-3B7359E1801E}" dt="2025-08-18T20:43:00.127" v="81"/>
+            <ac:spMkLst>
+              <pc:docMk/>
+              <pc:sldMasterMk cId="1748336378" sldId="2147483720"/>
+              <pc:sldLayoutMk cId="2243860456" sldId="2147483729"/>
+              <ac:spMk id="3" creationId="{00000000-0000-0000-0000-000000000000}"/>
+            </ac:spMkLst>
+          </pc:spChg>
+          <pc:spChg chg="mod">
+            <ac:chgData name="Akira Terui" userId="3f83de79-c81c-43e2-ac56-bbb755c07a02" providerId="ADAL" clId="{35BF1FDE-9884-4C57-991E-3B7359E1801E}" dt="2025-08-18T20:43:00.127" v="81"/>
+            <ac:spMkLst>
+              <pc:docMk/>
+              <pc:sldMasterMk cId="1748336378" sldId="2147483720"/>
+              <pc:sldLayoutMk cId="2243860456" sldId="2147483729"/>
+              <ac:spMk id="4" creationId="{00000000-0000-0000-0000-000000000000}"/>
+            </ac:spMkLst>
+          </pc:spChg>
+        </pc:sldLayoutChg>
+        <pc:sldLayoutChg chg="modSp">
+          <pc:chgData name="Akira Terui" userId="3f83de79-c81c-43e2-ac56-bbb755c07a02" providerId="ADAL" clId="{35BF1FDE-9884-4C57-991E-3B7359E1801E}" dt="2025-08-18T20:43:00.127" v="81"/>
+          <pc:sldLayoutMkLst>
+            <pc:docMk/>
+            <pc:sldMasterMk cId="1748336378" sldId="2147483720"/>
+            <pc:sldLayoutMk cId="3481783501" sldId="2147483731"/>
+          </pc:sldLayoutMkLst>
+          <pc:spChg chg="mod">
+            <ac:chgData name="Akira Terui" userId="3f83de79-c81c-43e2-ac56-bbb755c07a02" providerId="ADAL" clId="{35BF1FDE-9884-4C57-991E-3B7359E1801E}" dt="2025-08-18T20:43:00.127" v="81"/>
+            <ac:spMkLst>
+              <pc:docMk/>
+              <pc:sldMasterMk cId="1748336378" sldId="2147483720"/>
+              <pc:sldLayoutMk cId="3481783501" sldId="2147483731"/>
+              <ac:spMk id="2" creationId="{00000000-0000-0000-0000-000000000000}"/>
+            </ac:spMkLst>
+          </pc:spChg>
+          <pc:spChg chg="mod">
+            <ac:chgData name="Akira Terui" userId="3f83de79-c81c-43e2-ac56-bbb755c07a02" providerId="ADAL" clId="{35BF1FDE-9884-4C57-991E-3B7359E1801E}" dt="2025-08-18T20:43:00.127" v="81"/>
+            <ac:spMkLst>
+              <pc:docMk/>
+              <pc:sldMasterMk cId="1748336378" sldId="2147483720"/>
+              <pc:sldLayoutMk cId="3481783501" sldId="2147483731"/>
+              <ac:spMk id="3" creationId="{00000000-0000-0000-0000-000000000000}"/>
+            </ac:spMkLst>
+          </pc:spChg>
+        </pc:sldLayoutChg>
+      </pc:sldMasterChg>
+    </pc:docChg>
+  </pc:docChgLst>
+</pc:chgInfo>
 </file>
 
 <file path=ppt/slideLayouts/slideLayout1.xml><?xml version="1.0" encoding="utf-8"?>
@@ -136,8 +548,8 @@
         </p:nvSpPr>
         <p:spPr>
           <a:xfrm>
-            <a:off x="445770" y="1122363"/>
-            <a:ext cx="5052060" cy="2387600"/>
+            <a:off x="445770" y="927768"/>
+            <a:ext cx="5052060" cy="1973639"/>
           </a:xfrm>
         </p:spPr>
         <p:txBody>
@@ -168,8 +580,8 @@
         </p:nvSpPr>
         <p:spPr>
           <a:xfrm>
-            <a:off x="742950" y="3602038"/>
-            <a:ext cx="4457700" cy="1655762"/>
+            <a:off x="742950" y="2977518"/>
+            <a:ext cx="4457700" cy="1368687"/>
           </a:xfrm>
         </p:spPr>
         <p:txBody>
@@ -289,7 +701,7 @@
     </p:spTree>
     <p:extLst>
       <p:ext uri="{BB962C8B-B14F-4D97-AF65-F5344CB8AC3E}">
-        <p14:creationId xmlns:p14="http://schemas.microsoft.com/office/powerpoint/2010/main" val="1111853911"/>
+        <p14:creationId xmlns:p14="http://schemas.microsoft.com/office/powerpoint/2010/main" val="1118847710"/>
       </p:ext>
     </p:extLst>
   </p:cSld>
@@ -459,7 +871,7 @@
     </p:spTree>
     <p:extLst>
       <p:ext uri="{BB962C8B-B14F-4D97-AF65-F5344CB8AC3E}">
-        <p14:creationId xmlns:p14="http://schemas.microsoft.com/office/powerpoint/2010/main" val="411071025"/>
+        <p14:creationId xmlns:p14="http://schemas.microsoft.com/office/powerpoint/2010/main" val="637368033"/>
       </p:ext>
     </p:extLst>
   </p:cSld>
@@ -498,8 +910,8 @@
         </p:nvSpPr>
         <p:spPr>
           <a:xfrm>
-            <a:off x="4253389" y="365125"/>
-            <a:ext cx="1281589" cy="5811838"/>
+            <a:off x="4253389" y="301820"/>
+            <a:ext cx="1281589" cy="4804184"/>
           </a:xfrm>
         </p:spPr>
         <p:txBody>
@@ -526,8 +938,8 @@
         </p:nvSpPr>
         <p:spPr>
           <a:xfrm>
-            <a:off x="408623" y="365125"/>
-            <a:ext cx="3770471" cy="5811838"/>
+            <a:off x="408623" y="301820"/>
+            <a:ext cx="3770471" cy="4804184"/>
           </a:xfrm>
         </p:spPr>
         <p:txBody>
@@ -639,7 +1051,7 @@
     </p:spTree>
     <p:extLst>
       <p:ext uri="{BB962C8B-B14F-4D97-AF65-F5344CB8AC3E}">
-        <p14:creationId xmlns:p14="http://schemas.microsoft.com/office/powerpoint/2010/main" val="2497277816"/>
+        <p14:creationId xmlns:p14="http://schemas.microsoft.com/office/powerpoint/2010/main" val="607234573"/>
       </p:ext>
     </p:extLst>
   </p:cSld>
@@ -809,7 +1221,7 @@
     </p:spTree>
     <p:extLst>
       <p:ext uri="{BB962C8B-B14F-4D97-AF65-F5344CB8AC3E}">
-        <p14:creationId xmlns:p14="http://schemas.microsoft.com/office/powerpoint/2010/main" val="2680227857"/>
+        <p14:creationId xmlns:p14="http://schemas.microsoft.com/office/powerpoint/2010/main" val="3493785710"/>
       </p:ext>
     </p:extLst>
   </p:cSld>
@@ -848,8 +1260,8 @@
         </p:nvSpPr>
         <p:spPr>
           <a:xfrm>
-            <a:off x="405527" y="1709740"/>
-            <a:ext cx="5126355" cy="2852737"/>
+            <a:off x="405527" y="1413305"/>
+            <a:ext cx="5126355" cy="2358131"/>
           </a:xfrm>
         </p:spPr>
         <p:txBody>
@@ -880,8 +1292,8 @@
         </p:nvSpPr>
         <p:spPr>
           <a:xfrm>
-            <a:off x="405527" y="4589465"/>
-            <a:ext cx="5126355" cy="1500187"/>
+            <a:off x="405527" y="3793745"/>
+            <a:ext cx="5126355" cy="1240085"/>
           </a:xfrm>
         </p:spPr>
         <p:txBody>
@@ -1055,7 +1467,7 @@
     </p:spTree>
     <p:extLst>
       <p:ext uri="{BB962C8B-B14F-4D97-AF65-F5344CB8AC3E}">
-        <p14:creationId xmlns:p14="http://schemas.microsoft.com/office/powerpoint/2010/main" val="788139871"/>
+        <p14:creationId xmlns:p14="http://schemas.microsoft.com/office/powerpoint/2010/main" val="4232226986"/>
       </p:ext>
     </p:extLst>
   </p:cSld>
@@ -1117,8 +1529,8 @@
         </p:nvSpPr>
         <p:spPr>
           <a:xfrm>
-            <a:off x="408623" y="1825625"/>
-            <a:ext cx="2526030" cy="4351338"/>
+            <a:off x="408623" y="1509099"/>
+            <a:ext cx="2526030" cy="3596905"/>
           </a:xfrm>
         </p:spPr>
         <p:txBody>
@@ -1174,8 +1586,8 @@
         </p:nvSpPr>
         <p:spPr>
           <a:xfrm>
-            <a:off x="3008948" y="1825625"/>
-            <a:ext cx="2526030" cy="4351338"/>
+            <a:off x="3008948" y="1509099"/>
+            <a:ext cx="2526030" cy="3596905"/>
           </a:xfrm>
         </p:spPr>
         <p:txBody>
@@ -1287,7 +1699,7 @@
     </p:spTree>
     <p:extLst>
       <p:ext uri="{BB962C8B-B14F-4D97-AF65-F5344CB8AC3E}">
-        <p14:creationId xmlns:p14="http://schemas.microsoft.com/office/powerpoint/2010/main" val="3411029016"/>
+        <p14:creationId xmlns:p14="http://schemas.microsoft.com/office/powerpoint/2010/main" val="3389922851"/>
       </p:ext>
     </p:extLst>
   </p:cSld>
@@ -1326,8 +1738,8 @@
         </p:nvSpPr>
         <p:spPr>
           <a:xfrm>
-            <a:off x="409397" y="365127"/>
-            <a:ext cx="5126355" cy="1325563"/>
+            <a:off x="409397" y="301821"/>
+            <a:ext cx="5126355" cy="1095737"/>
           </a:xfrm>
         </p:spPr>
         <p:txBody>
@@ -1354,8 +1766,8 @@
         </p:nvSpPr>
         <p:spPr>
           <a:xfrm>
-            <a:off x="409397" y="1681163"/>
-            <a:ext cx="2514421" cy="823912"/>
+            <a:off x="409397" y="1389683"/>
+            <a:ext cx="2514421" cy="681063"/>
           </a:xfrm>
         </p:spPr>
         <p:txBody>
@@ -1419,8 +1831,8 @@
         </p:nvSpPr>
         <p:spPr>
           <a:xfrm>
-            <a:off x="409397" y="2505075"/>
-            <a:ext cx="2514421" cy="3684588"/>
+            <a:off x="409397" y="2070746"/>
+            <a:ext cx="2514421" cy="3045756"/>
           </a:xfrm>
         </p:spPr>
         <p:txBody>
@@ -1476,8 +1888,8 @@
         </p:nvSpPr>
         <p:spPr>
           <a:xfrm>
-            <a:off x="3008948" y="1681163"/>
-            <a:ext cx="2526804" cy="823912"/>
+            <a:off x="3008948" y="1389683"/>
+            <a:ext cx="2526804" cy="681063"/>
           </a:xfrm>
         </p:spPr>
         <p:txBody>
@@ -1541,8 +1953,8 @@
         </p:nvSpPr>
         <p:spPr>
           <a:xfrm>
-            <a:off x="3008948" y="2505075"/>
-            <a:ext cx="2526804" cy="3684588"/>
+            <a:off x="3008948" y="2070746"/>
+            <a:ext cx="2526804" cy="3045756"/>
           </a:xfrm>
         </p:spPr>
         <p:txBody>
@@ -1654,7 +2066,7 @@
     </p:spTree>
     <p:extLst>
       <p:ext uri="{BB962C8B-B14F-4D97-AF65-F5344CB8AC3E}">
-        <p14:creationId xmlns:p14="http://schemas.microsoft.com/office/powerpoint/2010/main" val="321460008"/>
+        <p14:creationId xmlns:p14="http://schemas.microsoft.com/office/powerpoint/2010/main" val="2615452424"/>
       </p:ext>
     </p:extLst>
   </p:cSld>
@@ -1772,7 +2184,7 @@
     </p:spTree>
     <p:extLst>
       <p:ext uri="{BB962C8B-B14F-4D97-AF65-F5344CB8AC3E}">
-        <p14:creationId xmlns:p14="http://schemas.microsoft.com/office/powerpoint/2010/main" val="943034273"/>
+        <p14:creationId xmlns:p14="http://schemas.microsoft.com/office/powerpoint/2010/main" val="3997586462"/>
       </p:ext>
     </p:extLst>
   </p:cSld>
@@ -1867,7 +2279,7 @@
     </p:spTree>
     <p:extLst>
       <p:ext uri="{BB962C8B-B14F-4D97-AF65-F5344CB8AC3E}">
-        <p14:creationId xmlns:p14="http://schemas.microsoft.com/office/powerpoint/2010/main" val="1693981659"/>
+        <p14:creationId xmlns:p14="http://schemas.microsoft.com/office/powerpoint/2010/main" val="2346009036"/>
       </p:ext>
     </p:extLst>
   </p:cSld>
@@ -1906,8 +2318,8 @@
         </p:nvSpPr>
         <p:spPr>
           <a:xfrm>
-            <a:off x="409397" y="457200"/>
-            <a:ext cx="1916966" cy="1600200"/>
+            <a:off x="409397" y="377931"/>
+            <a:ext cx="1916966" cy="1322758"/>
           </a:xfrm>
         </p:spPr>
         <p:txBody>
@@ -1938,8 +2350,8 @@
         </p:nvSpPr>
         <p:spPr>
           <a:xfrm>
-            <a:off x="2526804" y="987427"/>
-            <a:ext cx="3008948" cy="4873625"/>
+            <a:off x="2526804" y="816227"/>
+            <a:ext cx="3008948" cy="4028638"/>
           </a:xfrm>
         </p:spPr>
         <p:txBody>
@@ -2023,8 +2435,8 @@
         </p:nvSpPr>
         <p:spPr>
           <a:xfrm>
-            <a:off x="409397" y="2057400"/>
-            <a:ext cx="1916966" cy="3811588"/>
+            <a:off x="409397" y="1700689"/>
+            <a:ext cx="1916966" cy="3150737"/>
           </a:xfrm>
         </p:spPr>
         <p:txBody>
@@ -2144,7 +2556,7 @@
     </p:spTree>
     <p:extLst>
       <p:ext uri="{BB962C8B-B14F-4D97-AF65-F5344CB8AC3E}">
-        <p14:creationId xmlns:p14="http://schemas.microsoft.com/office/powerpoint/2010/main" val="3638829535"/>
+        <p14:creationId xmlns:p14="http://schemas.microsoft.com/office/powerpoint/2010/main" val="1548612035"/>
       </p:ext>
     </p:extLst>
   </p:cSld>
@@ -2183,8 +2595,8 @@
         </p:nvSpPr>
         <p:spPr>
           <a:xfrm>
-            <a:off x="409397" y="457200"/>
-            <a:ext cx="1916966" cy="1600200"/>
+            <a:off x="409397" y="377931"/>
+            <a:ext cx="1916966" cy="1322758"/>
           </a:xfrm>
         </p:spPr>
         <p:txBody>
@@ -2215,8 +2627,8 @@
         </p:nvSpPr>
         <p:spPr>
           <a:xfrm>
-            <a:off x="2526804" y="987427"/>
-            <a:ext cx="3008948" cy="4873625"/>
+            <a:off x="2526804" y="816227"/>
+            <a:ext cx="3008948" cy="4028638"/>
           </a:xfrm>
         </p:spPr>
         <p:txBody>
@@ -2280,8 +2692,8 @@
         </p:nvSpPr>
         <p:spPr>
           <a:xfrm>
-            <a:off x="409397" y="2057400"/>
-            <a:ext cx="1916966" cy="3811588"/>
+            <a:off x="409397" y="1700689"/>
+            <a:ext cx="1916966" cy="3150737"/>
           </a:xfrm>
         </p:spPr>
         <p:txBody>
@@ -2401,7 +2813,7 @@
     </p:spTree>
     <p:extLst>
       <p:ext uri="{BB962C8B-B14F-4D97-AF65-F5344CB8AC3E}">
-        <p14:creationId xmlns:p14="http://schemas.microsoft.com/office/powerpoint/2010/main" val="264641837"/>
+        <p14:creationId xmlns:p14="http://schemas.microsoft.com/office/powerpoint/2010/main" val="1569008542"/>
       </p:ext>
     </p:extLst>
   </p:cSld>
@@ -2445,8 +2857,8 @@
         </p:nvSpPr>
         <p:spPr>
           <a:xfrm>
-            <a:off x="408623" y="365127"/>
-            <a:ext cx="5126355" cy="1325563"/>
+            <a:off x="408623" y="301821"/>
+            <a:ext cx="5126355" cy="1095737"/>
           </a:xfrm>
           <a:prstGeom prst="rect">
             <a:avLst/>
@@ -2478,8 +2890,8 @@
         </p:nvSpPr>
         <p:spPr>
           <a:xfrm>
-            <a:off x="408623" y="1825625"/>
-            <a:ext cx="5126355" cy="4351338"/>
+            <a:off x="408623" y="1509099"/>
+            <a:ext cx="5126355" cy="3596905"/>
           </a:xfrm>
           <a:prstGeom prst="rect">
             <a:avLst/>
@@ -2540,8 +2952,8 @@
         </p:nvSpPr>
         <p:spPr>
           <a:xfrm>
-            <a:off x="408623" y="6356352"/>
-            <a:ext cx="1337310" cy="365125"/>
+            <a:off x="408623" y="5254290"/>
+            <a:ext cx="1337310" cy="301820"/>
           </a:xfrm>
           <a:prstGeom prst="rect">
             <a:avLst/>
@@ -2581,8 +2993,8 @@
         </p:nvSpPr>
         <p:spPr>
           <a:xfrm>
-            <a:off x="1968818" y="6356352"/>
-            <a:ext cx="2005965" cy="365125"/>
+            <a:off x="1968818" y="5254290"/>
+            <a:ext cx="2005965" cy="301820"/>
           </a:xfrm>
           <a:prstGeom prst="rect">
             <a:avLst/>
@@ -2618,8 +3030,8 @@
         </p:nvSpPr>
         <p:spPr>
           <a:xfrm>
-            <a:off x="4197668" y="6356352"/>
-            <a:ext cx="1337310" cy="365125"/>
+            <a:off x="4197668" y="5254290"/>
+            <a:ext cx="1337310" cy="301820"/>
           </a:xfrm>
           <a:prstGeom prst="rect">
             <a:avLst/>
@@ -2650,23 +3062,23 @@
     </p:spTree>
     <p:extLst>
       <p:ext uri="{BB962C8B-B14F-4D97-AF65-F5344CB8AC3E}">
-        <p14:creationId xmlns:p14="http://schemas.microsoft.com/office/powerpoint/2010/main" val="4289874847"/>
+        <p14:creationId xmlns:p14="http://schemas.microsoft.com/office/powerpoint/2010/main" val="3089200708"/>
       </p:ext>
     </p:extLst>
   </p:cSld>
   <p:clrMap bg1="lt1" tx1="dk1" bg2="lt2" tx2="dk2" accent1="accent1" accent2="accent2" accent3="accent3" accent4="accent4" accent5="accent5" accent6="accent6" hlink="hlink" folHlink="folHlink"/>
   <p:sldLayoutIdLst>
-    <p:sldLayoutId id="2147483709" r:id="rId1"/>
-    <p:sldLayoutId id="2147483710" r:id="rId2"/>
-    <p:sldLayoutId id="2147483711" r:id="rId3"/>
-    <p:sldLayoutId id="2147483712" r:id="rId4"/>
-    <p:sldLayoutId id="2147483713" r:id="rId5"/>
-    <p:sldLayoutId id="2147483714" r:id="rId6"/>
-    <p:sldLayoutId id="2147483715" r:id="rId7"/>
-    <p:sldLayoutId id="2147483716" r:id="rId8"/>
-    <p:sldLayoutId id="2147483717" r:id="rId9"/>
-    <p:sldLayoutId id="2147483718" r:id="rId10"/>
-    <p:sldLayoutId id="2147483719" r:id="rId11"/>
+    <p:sldLayoutId id="2147483769" r:id="rId1"/>
+    <p:sldLayoutId id="2147483770" r:id="rId2"/>
+    <p:sldLayoutId id="2147483771" r:id="rId3"/>
+    <p:sldLayoutId id="2147483772" r:id="rId4"/>
+    <p:sldLayoutId id="2147483773" r:id="rId5"/>
+    <p:sldLayoutId id="2147483774" r:id="rId6"/>
+    <p:sldLayoutId id="2147483775" r:id="rId7"/>
+    <p:sldLayoutId id="2147483776" r:id="rId8"/>
+    <p:sldLayoutId id="2147483777" r:id="rId9"/>
+    <p:sldLayoutId id="2147483778" r:id="rId10"/>
+    <p:sldLayoutId id="2147483779" r:id="rId11"/>
   </p:sldLayoutIdLst>
   <p:txStyles>
     <p:titleStyle>
@@ -2970,10 +3382,10 @@
       </p:grpSpPr>
       <p:grpSp>
         <p:nvGrpSpPr>
-          <p:cNvPr id="65" name="Group 64">
+          <p:cNvPr id="60" name="Group 59">
             <a:extLst>
               <a:ext uri="{FF2B5EF4-FFF2-40B4-BE49-F238E27FC236}">
-                <a16:creationId xmlns:a16="http://schemas.microsoft.com/office/drawing/2014/main" id="{ABBAA819-4E62-F063-2A21-E7E93B7BEE8A}"/>
+                <a16:creationId xmlns:a16="http://schemas.microsoft.com/office/drawing/2014/main" id="{5A74F6FB-5691-00B4-9AAF-9D27FED1A29C}"/>
               </a:ext>
             </a:extLst>
           </p:cNvPr>
@@ -2982,18 +3394,18 @@
         </p:nvGrpSpPr>
         <p:grpSpPr>
           <a:xfrm>
-            <a:off x="471566" y="4254"/>
-            <a:ext cx="5310552" cy="6771834"/>
-            <a:chOff x="468437" y="2680"/>
-            <a:chExt cx="3344910" cy="4265315"/>
+            <a:off x="607947" y="2522"/>
+            <a:ext cx="5020885" cy="5516184"/>
+            <a:chOff x="1049335" y="328592"/>
+            <a:chExt cx="3344910" cy="3674879"/>
           </a:xfrm>
         </p:grpSpPr>
         <p:grpSp>
           <p:nvGrpSpPr>
-            <p:cNvPr id="60" name="Group 59">
+            <p:cNvPr id="34" name="Group 33">
               <a:extLst>
                 <a:ext uri="{FF2B5EF4-FFF2-40B4-BE49-F238E27FC236}">
-                  <a16:creationId xmlns:a16="http://schemas.microsoft.com/office/drawing/2014/main" id="{5A74F6FB-5691-00B4-9AAF-9D27FED1A29C}"/>
+                  <a16:creationId xmlns:a16="http://schemas.microsoft.com/office/drawing/2014/main" id="{9FBB540A-43B9-47C4-0E4F-4657983C4B26}"/>
                 </a:ext>
               </a:extLst>
             </p:cNvPr>
@@ -3002,187 +3414,37 @@
           </p:nvGrpSpPr>
           <p:grpSpPr>
             <a:xfrm>
-              <a:off x="468437" y="582532"/>
-              <a:ext cx="3344910" cy="3685463"/>
-              <a:chOff x="1049335" y="318008"/>
-              <a:chExt cx="3344910" cy="3685463"/>
+              <a:off x="2248648" y="2001633"/>
+              <a:ext cx="1303677" cy="2001838"/>
+              <a:chOff x="2248648" y="2001633"/>
+              <a:chExt cx="1303677" cy="2001838"/>
             </a:xfrm>
           </p:grpSpPr>
-          <p:grpSp>
-            <p:nvGrpSpPr>
-              <p:cNvPr id="34" name="Group 33">
+          <p:cxnSp>
+            <p:nvCxnSpPr>
+              <p:cNvPr id="18" name="Straight Connector 17">
                 <a:extLst>
                   <a:ext uri="{FF2B5EF4-FFF2-40B4-BE49-F238E27FC236}">
-                    <a16:creationId xmlns:a16="http://schemas.microsoft.com/office/drawing/2014/main" id="{9FBB540A-43B9-47C4-0E4F-4657983C4B26}"/>
+                    <a16:creationId xmlns:a16="http://schemas.microsoft.com/office/drawing/2014/main" id="{9A8FB95F-4C73-CBCC-5B41-BEFACF44093D}"/>
                   </a:ext>
                 </a:extLst>
               </p:cNvPr>
-              <p:cNvGrpSpPr/>
+              <p:cNvCxnSpPr>
+                <a:cxnSpLocks/>
+              </p:cNvCxnSpPr>
               <p:nvPr/>
-            </p:nvGrpSpPr>
-            <p:grpSpPr>
-              <a:xfrm>
+            </p:nvCxnSpPr>
+            <p:spPr>
+              <a:xfrm rot="18900000" flipV="1">
                 <a:off x="2248648" y="2001633"/>
-                <a:ext cx="1303677" cy="2001838"/>
-                <a:chOff x="2248648" y="2001633"/>
-                <a:chExt cx="1303677" cy="2001838"/>
+                <a:ext cx="0" cy="1080000"/>
               </a:xfrm>
-            </p:grpSpPr>
-            <p:cxnSp>
-              <p:nvCxnSpPr>
-                <p:cNvPr id="18" name="Straight Connector 17">
-                  <a:extLst>
-                    <a:ext uri="{FF2B5EF4-FFF2-40B4-BE49-F238E27FC236}">
-                      <a16:creationId xmlns:a16="http://schemas.microsoft.com/office/drawing/2014/main" id="{9A8FB95F-4C73-CBCC-5B41-BEFACF44093D}"/>
-                    </a:ext>
-                  </a:extLst>
-                </p:cNvPr>
-                <p:cNvCxnSpPr>
-                  <a:cxnSpLocks/>
-                </p:cNvCxnSpPr>
-                <p:nvPr/>
-              </p:nvCxnSpPr>
-              <p:spPr>
-                <a:xfrm rot="18900000" flipV="1">
-                  <a:off x="2248648" y="2001633"/>
-                  <a:ext cx="0" cy="1080000"/>
-                </a:xfrm>
-                <a:prstGeom prst="line">
-                  <a:avLst/>
-                </a:prstGeom>
-                <a:ln>
-                  <a:solidFill>
-                    <a:srgbClr val="2B2B2B"/>
-                  </a:solidFill>
-                </a:ln>
-              </p:spPr>
-              <p:style>
-                <a:lnRef idx="2">
-                  <a:schemeClr val="accent1"/>
-                </a:lnRef>
-                <a:fillRef idx="0">
-                  <a:schemeClr val="accent1"/>
-                </a:fillRef>
-                <a:effectRef idx="1">
-                  <a:schemeClr val="accent1"/>
-                </a:effectRef>
-                <a:fontRef idx="minor">
-                  <a:schemeClr val="tx1"/>
-                </a:fontRef>
-              </p:style>
-            </p:cxnSp>
-            <p:cxnSp>
-              <p:nvCxnSpPr>
-                <p:cNvPr id="19" name="Straight Connector 18">
-                  <a:extLst>
-                    <a:ext uri="{FF2B5EF4-FFF2-40B4-BE49-F238E27FC236}">
-                      <a16:creationId xmlns:a16="http://schemas.microsoft.com/office/drawing/2014/main" id="{1371E741-5CD7-A8D4-1E3C-252277A965F8}"/>
-                    </a:ext>
-                  </a:extLst>
-                </p:cNvPr>
-                <p:cNvCxnSpPr>
-                  <a:cxnSpLocks/>
-                </p:cNvCxnSpPr>
-                <p:nvPr/>
-              </p:nvCxnSpPr>
-              <p:spPr>
-                <a:xfrm rot="2700000" flipV="1">
-                  <a:off x="3012325" y="2001633"/>
-                  <a:ext cx="0" cy="1080000"/>
-                </a:xfrm>
-                <a:prstGeom prst="line">
-                  <a:avLst/>
-                </a:prstGeom>
-                <a:ln>
-                  <a:solidFill>
-                    <a:srgbClr val="2B2B2B"/>
-                  </a:solidFill>
-                </a:ln>
-              </p:spPr>
-              <p:style>
-                <a:lnRef idx="2">
-                  <a:schemeClr val="accent1"/>
-                </a:lnRef>
-                <a:fillRef idx="0">
-                  <a:schemeClr val="accent1"/>
-                </a:fillRef>
-                <a:effectRef idx="1">
-                  <a:schemeClr val="accent1"/>
-                </a:effectRef>
-                <a:fontRef idx="minor">
-                  <a:schemeClr val="tx1"/>
-                </a:fontRef>
-              </p:style>
-            </p:cxnSp>
-            <p:cxnSp>
-              <p:nvCxnSpPr>
-                <p:cNvPr id="27" name="Straight Connector 26">
-                  <a:extLst>
-                    <a:ext uri="{FF2B5EF4-FFF2-40B4-BE49-F238E27FC236}">
-                      <a16:creationId xmlns:a16="http://schemas.microsoft.com/office/drawing/2014/main" id="{3DB0BEB8-A9CE-D6A4-0487-BD57C7E9BEAC}"/>
-                    </a:ext>
-                  </a:extLst>
-                </p:cNvPr>
-                <p:cNvCxnSpPr>
-                  <a:cxnSpLocks/>
-                </p:cNvCxnSpPr>
-                <p:nvPr/>
-              </p:nvCxnSpPr>
-              <p:spPr>
-                <a:xfrm flipV="1">
-                  <a:off x="2630486" y="2923471"/>
-                  <a:ext cx="0" cy="1080000"/>
-                </a:xfrm>
-                <a:prstGeom prst="line">
-                  <a:avLst/>
-                </a:prstGeom>
-                <a:ln>
-                  <a:solidFill>
-                    <a:srgbClr val="2B2B2B"/>
-                  </a:solidFill>
-                </a:ln>
-              </p:spPr>
-              <p:style>
-                <a:lnRef idx="2">
-                  <a:schemeClr val="accent1"/>
-                </a:lnRef>
-                <a:fillRef idx="0">
-                  <a:schemeClr val="accent1"/>
-                </a:fillRef>
-                <a:effectRef idx="1">
-                  <a:schemeClr val="accent1"/>
-                </a:effectRef>
-                <a:fontRef idx="minor">
-                  <a:schemeClr val="tx1"/>
-                </a:fontRef>
-              </p:style>
-            </p:cxnSp>
-          </p:grpSp>
-          <p:sp>
-            <p:nvSpPr>
-              <p:cNvPr id="29" name="Left Bracket 28">
-                <a:extLst>
-                  <a:ext uri="{FF2B5EF4-FFF2-40B4-BE49-F238E27FC236}">
-                    <a16:creationId xmlns:a16="http://schemas.microsoft.com/office/drawing/2014/main" id="{25C8DE81-3AAD-B2EB-74BD-D3804790CC07}"/>
-                  </a:ext>
-                </a:extLst>
-              </p:cNvPr>
-              <p:cNvSpPr/>
-              <p:nvPr/>
-            </p:nvSpPr>
-            <p:spPr>
-              <a:xfrm>
-                <a:off x="2371378" y="2960837"/>
-                <a:ext cx="106117" cy="1034062"/>
-              </a:xfrm>
-              <a:prstGeom prst="leftBracket">
+              <a:prstGeom prst="line">
                 <a:avLst/>
               </a:prstGeom>
               <a:ln>
                 <a:solidFill>
-                  <a:schemeClr val="bg1">
-                    <a:lumMod val="50000"/>
-                  </a:schemeClr>
+                  <a:srgbClr val="2B2B2B"/>
                 </a:solidFill>
               </a:ln>
             </p:spPr>
@@ -3200,311 +3462,13 @@
                 <a:schemeClr val="tx1"/>
               </a:fontRef>
             </p:style>
-            <p:txBody>
-              <a:bodyPr rtlCol="0" anchor="ctr"/>
-              <a:lstStyle/>
-              <a:p>
-                <a:pPr algn="ctr"/>
-                <a:endParaRPr lang="en-US" sz="2858" dirty="0"/>
-              </a:p>
-            </p:txBody>
-          </p:sp>
-          <p:sp>
-            <p:nvSpPr>
-              <p:cNvPr id="31" name="TextBox 30">
+          </p:cxnSp>
+          <p:cxnSp>
+            <p:nvCxnSpPr>
+              <p:cNvPr id="19" name="Straight Connector 18">
                 <a:extLst>
                   <a:ext uri="{FF2B5EF4-FFF2-40B4-BE49-F238E27FC236}">
-                    <a16:creationId xmlns:a16="http://schemas.microsoft.com/office/drawing/2014/main" id="{3B95D345-6D24-17DD-15EB-9701461B72DB}"/>
-                  </a:ext>
-                </a:extLst>
-              </p:cNvPr>
-              <p:cNvSpPr txBox="1"/>
-              <p:nvPr/>
-            </p:nvSpPr>
-            <p:spPr>
-              <a:xfrm>
-                <a:off x="1893887" y="3323155"/>
-                <a:ext cx="399021" cy="242805"/>
-              </a:xfrm>
-              <a:prstGeom prst="rect">
-                <a:avLst/>
-              </a:prstGeom>
-              <a:noFill/>
-            </p:spPr>
-            <p:txBody>
-              <a:bodyPr wrap="none" rtlCol="0">
-                <a:spAutoFit/>
-              </a:bodyPr>
-              <a:lstStyle/>
-              <a:p>
-                <a:r>
-                  <a:rPr lang="en-US" sz="1905" dirty="0">
-                    <a:latin typeface="Arial" panose="020B0604020202020204" pitchFamily="34" charset="0"/>
-                    <a:cs typeface="Arial" panose="020B0604020202020204" pitchFamily="34" charset="0"/>
-                  </a:rPr>
-                  <a:t>Link</a:t>
-                </a:r>
-              </a:p>
-            </p:txBody>
-          </p:sp>
-          <p:sp>
-            <p:nvSpPr>
-              <p:cNvPr id="32" name="TextBox 31">
-                <a:extLst>
-                  <a:ext uri="{FF2B5EF4-FFF2-40B4-BE49-F238E27FC236}">
-                    <a16:creationId xmlns:a16="http://schemas.microsoft.com/office/drawing/2014/main" id="{04A787F8-BB31-EE2C-BC53-96FD790274F6}"/>
-                  </a:ext>
-                </a:extLst>
-              </p:cNvPr>
-              <p:cNvSpPr txBox="1"/>
-              <p:nvPr/>
-            </p:nvSpPr>
-            <p:spPr>
-              <a:xfrm>
-                <a:off x="1847259" y="318008"/>
-                <a:ext cx="1502590" cy="242805"/>
-              </a:xfrm>
-              <a:prstGeom prst="rect">
-                <a:avLst/>
-              </a:prstGeom>
-              <a:noFill/>
-            </p:spPr>
-            <p:txBody>
-              <a:bodyPr wrap="none" rtlCol="0">
-                <a:spAutoFit/>
-              </a:bodyPr>
-              <a:lstStyle/>
-              <a:p>
-                <a:r>
-                  <a:rPr lang="en-US" sz="1905" dirty="0">
-                    <a:latin typeface="Arial" panose="020B0604020202020204" pitchFamily="34" charset="0"/>
-                    <a:cs typeface="Arial" panose="020B0604020202020204" pitchFamily="34" charset="0"/>
-                  </a:rPr>
-                  <a:t>Exterior source links</a:t>
-                </a:r>
-              </a:p>
-            </p:txBody>
-          </p:sp>
-          <p:grpSp>
-            <p:nvGrpSpPr>
-              <p:cNvPr id="35" name="Group 34">
-                <a:extLst>
-                  <a:ext uri="{FF2B5EF4-FFF2-40B4-BE49-F238E27FC236}">
-                    <a16:creationId xmlns:a16="http://schemas.microsoft.com/office/drawing/2014/main" id="{30A77671-8B6C-373C-AFF2-7AB9239868E9}"/>
-                  </a:ext>
-                </a:extLst>
-              </p:cNvPr>
-              <p:cNvGrpSpPr/>
-              <p:nvPr/>
-            </p:nvGrpSpPr>
-            <p:grpSpPr>
-              <a:xfrm rot="2700000">
-                <a:off x="3202406" y="1540668"/>
-                <a:ext cx="1303677" cy="1080000"/>
-                <a:chOff x="2248648" y="2001633"/>
-                <a:chExt cx="1303677" cy="1080000"/>
-              </a:xfrm>
-            </p:grpSpPr>
-            <p:cxnSp>
-              <p:nvCxnSpPr>
-                <p:cNvPr id="36" name="Straight Connector 35">
-                  <a:extLst>
-                    <a:ext uri="{FF2B5EF4-FFF2-40B4-BE49-F238E27FC236}">
-                      <a16:creationId xmlns:a16="http://schemas.microsoft.com/office/drawing/2014/main" id="{F9A556E6-2CD9-A73F-F008-50DBAAFE8BCA}"/>
-                    </a:ext>
-                  </a:extLst>
-                </p:cNvPr>
-                <p:cNvCxnSpPr>
-                  <a:cxnSpLocks/>
-                </p:cNvCxnSpPr>
-                <p:nvPr/>
-              </p:nvCxnSpPr>
-              <p:spPr>
-                <a:xfrm rot="18900000" flipV="1">
-                  <a:off x="2248648" y="2001633"/>
-                  <a:ext cx="0" cy="1080000"/>
-                </a:xfrm>
-                <a:prstGeom prst="line">
-                  <a:avLst/>
-                </a:prstGeom>
-                <a:ln>
-                  <a:solidFill>
-                    <a:srgbClr val="2B2B2B"/>
-                  </a:solidFill>
-                </a:ln>
-              </p:spPr>
-              <p:style>
-                <a:lnRef idx="2">
-                  <a:schemeClr val="accent1"/>
-                </a:lnRef>
-                <a:fillRef idx="0">
-                  <a:schemeClr val="accent1"/>
-                </a:fillRef>
-                <a:effectRef idx="1">
-                  <a:schemeClr val="accent1"/>
-                </a:effectRef>
-                <a:fontRef idx="minor">
-                  <a:schemeClr val="tx1"/>
-                </a:fontRef>
-              </p:style>
-            </p:cxnSp>
-            <p:cxnSp>
-              <p:nvCxnSpPr>
-                <p:cNvPr id="37" name="Straight Connector 36">
-                  <a:extLst>
-                    <a:ext uri="{FF2B5EF4-FFF2-40B4-BE49-F238E27FC236}">
-                      <a16:creationId xmlns:a16="http://schemas.microsoft.com/office/drawing/2014/main" id="{575072C4-A713-4A1E-7279-418FA4CCF65E}"/>
-                    </a:ext>
-                  </a:extLst>
-                </p:cNvPr>
-                <p:cNvCxnSpPr>
-                  <a:cxnSpLocks/>
-                </p:cNvCxnSpPr>
-                <p:nvPr/>
-              </p:nvCxnSpPr>
-              <p:spPr>
-                <a:xfrm rot="2700000" flipV="1">
-                  <a:off x="3012325" y="2001633"/>
-                  <a:ext cx="0" cy="1080000"/>
-                </a:xfrm>
-                <a:prstGeom prst="line">
-                  <a:avLst/>
-                </a:prstGeom>
-                <a:ln>
-                  <a:solidFill>
-                    <a:srgbClr val="2B2B2B"/>
-                  </a:solidFill>
-                </a:ln>
-              </p:spPr>
-              <p:style>
-                <a:lnRef idx="2">
-                  <a:schemeClr val="accent1"/>
-                </a:lnRef>
-                <a:fillRef idx="0">
-                  <a:schemeClr val="accent1"/>
-                </a:fillRef>
-                <a:effectRef idx="1">
-                  <a:schemeClr val="accent1"/>
-                </a:effectRef>
-                <a:fontRef idx="minor">
-                  <a:schemeClr val="tx1"/>
-                </a:fontRef>
-              </p:style>
-            </p:cxnSp>
-          </p:grpSp>
-          <p:grpSp>
-            <p:nvGrpSpPr>
-              <p:cNvPr id="39" name="Group 38">
-                <a:extLst>
-                  <a:ext uri="{FF2B5EF4-FFF2-40B4-BE49-F238E27FC236}">
-                    <a16:creationId xmlns:a16="http://schemas.microsoft.com/office/drawing/2014/main" id="{F70A6017-54ED-F5AA-2C30-922DDBA167FB}"/>
-                  </a:ext>
-                </a:extLst>
-              </p:cNvPr>
-              <p:cNvGrpSpPr/>
-              <p:nvPr/>
-            </p:nvGrpSpPr>
-            <p:grpSpPr>
-              <a:xfrm rot="-2700000">
-                <a:off x="1135054" y="1158876"/>
-                <a:ext cx="1303677" cy="1080000"/>
-                <a:chOff x="2248648" y="2001633"/>
-                <a:chExt cx="1303677" cy="1080000"/>
-              </a:xfrm>
-            </p:grpSpPr>
-            <p:cxnSp>
-              <p:nvCxnSpPr>
-                <p:cNvPr id="40" name="Straight Connector 39">
-                  <a:extLst>
-                    <a:ext uri="{FF2B5EF4-FFF2-40B4-BE49-F238E27FC236}">
-                      <a16:creationId xmlns:a16="http://schemas.microsoft.com/office/drawing/2014/main" id="{5C14E1A9-9261-0C1E-A5E7-BD46DADB4330}"/>
-                    </a:ext>
-                  </a:extLst>
-                </p:cNvPr>
-                <p:cNvCxnSpPr>
-                  <a:cxnSpLocks/>
-                </p:cNvCxnSpPr>
-                <p:nvPr/>
-              </p:nvCxnSpPr>
-              <p:spPr>
-                <a:xfrm rot="18900000" flipV="1">
-                  <a:off x="2248648" y="2001633"/>
-                  <a:ext cx="0" cy="1080000"/>
-                </a:xfrm>
-                <a:prstGeom prst="line">
-                  <a:avLst/>
-                </a:prstGeom>
-                <a:ln>
-                  <a:solidFill>
-                    <a:srgbClr val="2B2B2B"/>
-                  </a:solidFill>
-                </a:ln>
-              </p:spPr>
-              <p:style>
-                <a:lnRef idx="2">
-                  <a:schemeClr val="accent1"/>
-                </a:lnRef>
-                <a:fillRef idx="0">
-                  <a:schemeClr val="accent1"/>
-                </a:fillRef>
-                <a:effectRef idx="1">
-                  <a:schemeClr val="accent1"/>
-                </a:effectRef>
-                <a:fontRef idx="minor">
-                  <a:schemeClr val="tx1"/>
-                </a:fontRef>
-              </p:style>
-            </p:cxnSp>
-            <p:cxnSp>
-              <p:nvCxnSpPr>
-                <p:cNvPr id="41" name="Straight Connector 40">
-                  <a:extLst>
-                    <a:ext uri="{FF2B5EF4-FFF2-40B4-BE49-F238E27FC236}">
-                      <a16:creationId xmlns:a16="http://schemas.microsoft.com/office/drawing/2014/main" id="{5AD3741D-990D-A897-6D7A-D12B1BC11041}"/>
-                    </a:ext>
-                  </a:extLst>
-                </p:cNvPr>
-                <p:cNvCxnSpPr>
-                  <a:cxnSpLocks/>
-                </p:cNvCxnSpPr>
-                <p:nvPr/>
-              </p:nvCxnSpPr>
-              <p:spPr>
-                <a:xfrm rot="2700000" flipV="1">
-                  <a:off x="3012325" y="2001633"/>
-                  <a:ext cx="0" cy="1080000"/>
-                </a:xfrm>
-                <a:prstGeom prst="line">
-                  <a:avLst/>
-                </a:prstGeom>
-                <a:ln>
-                  <a:solidFill>
-                    <a:srgbClr val="2B2B2B"/>
-                  </a:solidFill>
-                </a:ln>
-              </p:spPr>
-              <p:style>
-                <a:lnRef idx="2">
-                  <a:schemeClr val="accent1"/>
-                </a:lnRef>
-                <a:fillRef idx="0">
-                  <a:schemeClr val="accent1"/>
-                </a:fillRef>
-                <a:effectRef idx="1">
-                  <a:schemeClr val="accent1"/>
-                </a:effectRef>
-                <a:fontRef idx="minor">
-                  <a:schemeClr val="tx1"/>
-                </a:fontRef>
-              </p:style>
-            </p:cxnSp>
-          </p:grpSp>
-          <p:cxnSp>
-            <p:nvCxnSpPr>
-              <p:cNvPr id="43" name="Straight Connector 42">
-                <a:extLst>
-                  <a:ext uri="{FF2B5EF4-FFF2-40B4-BE49-F238E27FC236}">
-                    <a16:creationId xmlns:a16="http://schemas.microsoft.com/office/drawing/2014/main" id="{6A6779D8-7193-CE4D-8228-F29669DD8288}"/>
+                    <a16:creationId xmlns:a16="http://schemas.microsoft.com/office/drawing/2014/main" id="{1371E741-5CD7-A8D4-1E3C-252277A965F8}"/>
                   </a:ext>
                 </a:extLst>
               </p:cNvPr>
@@ -3514,22 +3478,17 @@
               <p:nvPr/>
             </p:nvCxnSpPr>
             <p:spPr>
-              <a:xfrm flipV="1">
-                <a:off x="1972541" y="721970"/>
-                <a:ext cx="581746" cy="931607"/>
+              <a:xfrm rot="2700000" flipV="1">
+                <a:off x="3012325" y="2001633"/>
+                <a:ext cx="0" cy="1080000"/>
               </a:xfrm>
               <a:prstGeom prst="line">
                 <a:avLst/>
               </a:prstGeom>
               <a:ln>
                 <a:solidFill>
-                  <a:schemeClr val="bg1">
-                    <a:lumMod val="50000"/>
-                  </a:schemeClr>
+                  <a:srgbClr val="2B2B2B"/>
                 </a:solidFill>
-                <a:prstDash val="sysDash"/>
-                <a:headEnd type="triangle"/>
-                <a:tailEnd type="none"/>
               </a:ln>
             </p:spPr>
             <p:style>
@@ -3547,118 +3506,12 @@
               </a:fontRef>
             </p:style>
           </p:cxnSp>
-          <p:sp>
-            <p:nvSpPr>
-              <p:cNvPr id="48" name="Arc 47">
+          <p:cxnSp>
+            <p:nvCxnSpPr>
+              <p:cNvPr id="27" name="Straight Connector 26">
                 <a:extLst>
                   <a:ext uri="{FF2B5EF4-FFF2-40B4-BE49-F238E27FC236}">
-                    <a16:creationId xmlns:a16="http://schemas.microsoft.com/office/drawing/2014/main" id="{15F0CB5D-BA5E-4D7F-9F48-642FE7B45F70}"/>
-                  </a:ext>
-                </a:extLst>
-              </p:cNvPr>
-              <p:cNvSpPr/>
-              <p:nvPr/>
-            </p:nvSpPr>
-            <p:spPr>
-              <a:xfrm flipH="1">
-                <a:off x="1049335" y="721972"/>
-                <a:ext cx="2756401" cy="2571230"/>
-              </a:xfrm>
-              <a:prstGeom prst="arc">
-                <a:avLst/>
-              </a:prstGeom>
-              <a:ln>
-                <a:solidFill>
-                  <a:schemeClr val="bg1">
-                    <a:lumMod val="50000"/>
-                  </a:schemeClr>
-                </a:solidFill>
-                <a:prstDash val="sysDash"/>
-                <a:tailEnd type="triangle"/>
-              </a:ln>
-            </p:spPr>
-            <p:style>
-              <a:lnRef idx="2">
-                <a:schemeClr val="accent1"/>
-              </a:lnRef>
-              <a:fillRef idx="0">
-                <a:schemeClr val="accent1"/>
-              </a:fillRef>
-              <a:effectRef idx="1">
-                <a:schemeClr val="accent1"/>
-              </a:effectRef>
-              <a:fontRef idx="minor">
-                <a:schemeClr val="tx1"/>
-              </a:fontRef>
-            </p:style>
-            <p:txBody>
-              <a:bodyPr rtlCol="0" anchor="ctr"/>
-              <a:lstStyle/>
-              <a:p>
-                <a:pPr algn="ctr"/>
-                <a:endParaRPr lang="en-US" sz="2858"/>
-              </a:p>
-            </p:txBody>
-          </p:sp>
-          <p:sp>
-            <p:nvSpPr>
-              <p:cNvPr id="50" name="Arc 49">
-                <a:extLst>
-                  <a:ext uri="{FF2B5EF4-FFF2-40B4-BE49-F238E27FC236}">
-                    <a16:creationId xmlns:a16="http://schemas.microsoft.com/office/drawing/2014/main" id="{07B86C2B-1DCE-6269-D061-80EFA11131AB}"/>
-                  </a:ext>
-                </a:extLst>
-              </p:cNvPr>
-              <p:cNvSpPr/>
-              <p:nvPr/>
-            </p:nvSpPr>
-            <p:spPr>
-              <a:xfrm>
-                <a:off x="1474286" y="721972"/>
-                <a:ext cx="2756401" cy="2571230"/>
-              </a:xfrm>
-              <a:prstGeom prst="arc">
-                <a:avLst/>
-              </a:prstGeom>
-              <a:ln>
-                <a:solidFill>
-                  <a:schemeClr val="bg1">
-                    <a:lumMod val="50000"/>
-                  </a:schemeClr>
-                </a:solidFill>
-                <a:prstDash val="sysDash"/>
-                <a:tailEnd type="triangle"/>
-              </a:ln>
-            </p:spPr>
-            <p:style>
-              <a:lnRef idx="2">
-                <a:schemeClr val="accent1"/>
-              </a:lnRef>
-              <a:fillRef idx="0">
-                <a:schemeClr val="accent1"/>
-              </a:fillRef>
-              <a:effectRef idx="1">
-                <a:schemeClr val="accent1"/>
-              </a:effectRef>
-              <a:fontRef idx="minor">
-                <a:schemeClr val="tx1"/>
-              </a:fontRef>
-            </p:style>
-            <p:txBody>
-              <a:bodyPr rtlCol="0" anchor="ctr"/>
-              <a:lstStyle/>
-              <a:p>
-                <a:pPr algn="ctr"/>
-                <a:endParaRPr lang="en-US" sz="2858" dirty="0"/>
-              </a:p>
-            </p:txBody>
-          </p:sp>
-          <p:cxnSp>
-            <p:nvCxnSpPr>
-              <p:cNvPr id="52" name="Straight Connector 51">
-                <a:extLst>
-                  <a:ext uri="{FF2B5EF4-FFF2-40B4-BE49-F238E27FC236}">
-                    <a16:creationId xmlns:a16="http://schemas.microsoft.com/office/drawing/2014/main" id="{95B64C48-2E61-0555-7D41-19AE1F4F8E2C}"/>
+                    <a16:creationId xmlns:a16="http://schemas.microsoft.com/office/drawing/2014/main" id="{3DB0BEB8-A9CE-D6A4-0487-BD57C7E9BEAC}"/>
                   </a:ext>
                 </a:extLst>
               </p:cNvPr>
@@ -3668,22 +3521,17 @@
               <p:nvPr/>
             </p:nvCxnSpPr>
             <p:spPr>
-              <a:xfrm flipH="1" flipV="1">
-                <a:off x="2745230" y="721970"/>
-                <a:ext cx="567469" cy="953339"/>
+              <a:xfrm flipV="1">
+                <a:off x="2630486" y="2923471"/>
+                <a:ext cx="0" cy="1080000"/>
               </a:xfrm>
               <a:prstGeom prst="line">
                 <a:avLst/>
               </a:prstGeom>
               <a:ln>
                 <a:solidFill>
-                  <a:schemeClr val="bg1">
-                    <a:lumMod val="50000"/>
-                  </a:schemeClr>
+                  <a:srgbClr val="2B2B2B"/>
                 </a:solidFill>
-                <a:prstDash val="sysDash"/>
-                <a:headEnd type="triangle"/>
-                <a:tailEnd type="none"/>
               </a:ln>
             </p:spPr>
             <p:style>
@@ -3701,345 +3549,558 @@
               </a:fontRef>
             </p:style>
           </p:cxnSp>
-          <mc:AlternateContent xmlns:mc="http://schemas.openxmlformats.org/markup-compatibility/2006">
-            <mc:Choice xmlns:a14="http://schemas.microsoft.com/office/drawing/2010/main" Requires="a14">
-              <p:sp>
-                <p:nvSpPr>
-                  <p:cNvPr id="57" name="TextBox 56">
-                    <a:extLst>
-                      <a:ext uri="{FF2B5EF4-FFF2-40B4-BE49-F238E27FC236}">
-                        <a16:creationId xmlns:a16="http://schemas.microsoft.com/office/drawing/2014/main" id="{C03BD8F7-1037-EB3E-ECFD-B1BC932560EB}"/>
-                      </a:ext>
-                    </a:extLst>
-                  </p:cNvPr>
-                  <p:cNvSpPr txBox="1"/>
-                  <p:nvPr/>
-                </p:nvSpPr>
-                <p:spPr>
-                  <a:xfrm>
-                    <a:off x="2643157" y="3128657"/>
-                    <a:ext cx="1161321" cy="427453"/>
-                  </a:xfrm>
-                  <a:prstGeom prst="rect">
-                    <a:avLst/>
-                  </a:prstGeom>
-                  <a:noFill/>
-                </p:spPr>
-                <p:txBody>
-                  <a:bodyPr wrap="none" rtlCol="0">
-                    <a:spAutoFit/>
-                  </a:bodyPr>
-                  <a:lstStyle/>
-                  <a:p>
-                    <a:r>
-                      <a:rPr lang="en-US" sz="1905" dirty="0">
-                        <a:latin typeface="Arial" panose="020B0604020202020204" pitchFamily="34" charset="0"/>
-                        <a:cs typeface="Arial" panose="020B0604020202020204" pitchFamily="34" charset="0"/>
-                      </a:rPr>
-                      <a:t>Link magnitude</a:t>
-                    </a:r>
-                  </a:p>
-                  <a:p>
-                    <a:pPr/>
-                    <a14:m>
-                      <m:oMathPara xmlns:m="http://schemas.openxmlformats.org/officeDocument/2006/math">
-                        <m:oMathParaPr>
-                          <m:jc m:val="left"/>
-                        </m:oMathParaPr>
-                        <m:oMath xmlns:m="http://schemas.openxmlformats.org/officeDocument/2006/math">
-                          <m:r>
-                            <a:rPr lang="en-US" sz="1905" i="1">
-                              <a:latin typeface="Cambria Math" panose="02040503050406030204" pitchFamily="18" charset="0"/>
-                              <a:cs typeface="Arial" panose="020B0604020202020204" pitchFamily="34" charset="0"/>
-                            </a:rPr>
-                            <m:t>𝑚</m:t>
-                          </m:r>
-                          <m:r>
-                            <a:rPr lang="en-US" sz="1905" i="1">
-                              <a:latin typeface="Cambria Math" panose="02040503050406030204" pitchFamily="18" charset="0"/>
-                              <a:cs typeface="Arial" panose="020B0604020202020204" pitchFamily="34" charset="0"/>
-                            </a:rPr>
-                            <m:t>=4</m:t>
-                          </m:r>
-                        </m:oMath>
-                      </m:oMathPara>
-                    </a14:m>
-                    <a:endParaRPr lang="en-US" sz="1905" dirty="0">
-                      <a:latin typeface="Arial" panose="020B0604020202020204" pitchFamily="34" charset="0"/>
-                      <a:cs typeface="Arial" panose="020B0604020202020204" pitchFamily="34" charset="0"/>
-                    </a:endParaRPr>
-                  </a:p>
-                </p:txBody>
-              </p:sp>
-            </mc:Choice>
-            <mc:Fallback>
-              <p:sp>
-                <p:nvSpPr>
-                  <p:cNvPr id="57" name="TextBox 56">
-                    <a:extLst>
-                      <a:ext uri="{FF2B5EF4-FFF2-40B4-BE49-F238E27FC236}">
-                        <a16:creationId xmlns:a16="http://schemas.microsoft.com/office/drawing/2014/main" id="{C03BD8F7-1037-EB3E-ECFD-B1BC932560EB}"/>
-                      </a:ext>
-                    </a:extLst>
-                  </p:cNvPr>
-                  <p:cNvSpPr txBox="1">
-                    <a:spLocks noRot="1" noChangeAspect="1" noMove="1" noResize="1" noEditPoints="1" noAdjustHandles="1" noChangeArrowheads="1" noChangeShapeType="1" noTextEdit="1"/>
-                  </p:cNvSpPr>
-                  <p:nvPr/>
-                </p:nvSpPr>
-                <p:spPr>
-                  <a:xfrm>
-                    <a:off x="2643157" y="3128657"/>
-                    <a:ext cx="1161321" cy="427453"/>
-                  </a:xfrm>
-                  <a:prstGeom prst="rect">
-                    <a:avLst/>
-                  </a:prstGeom>
-                  <a:blipFill>
-                    <a:blip r:embed="rId2"/>
-                    <a:stretch>
-                      <a:fillRect l="-2970" t="-4505" r="-1320"/>
-                    </a:stretch>
-                  </a:blipFill>
-                </p:spPr>
-                <p:txBody>
-                  <a:bodyPr/>
-                  <a:lstStyle/>
-                  <a:p>
-                    <a:r>
-                      <a:rPr lang="en-US">
-                        <a:noFill/>
-                      </a:rPr>
-                      <a:t> </a:t>
-                    </a:r>
-                  </a:p>
-                </p:txBody>
-              </p:sp>
-            </mc:Fallback>
-          </mc:AlternateContent>
-          <mc:AlternateContent xmlns:mc="http://schemas.openxmlformats.org/markup-compatibility/2006">
-            <mc:Choice xmlns:a14="http://schemas.microsoft.com/office/drawing/2010/main" Requires="a14">
-              <p:sp>
-                <p:nvSpPr>
-                  <p:cNvPr id="58" name="TextBox 57">
-                    <a:extLst>
-                      <a:ext uri="{FF2B5EF4-FFF2-40B4-BE49-F238E27FC236}">
-                        <a16:creationId xmlns:a16="http://schemas.microsoft.com/office/drawing/2014/main" id="{042C3B17-657F-7F53-525F-D69CFFDE9B7A}"/>
-                      </a:ext>
-                    </a:extLst>
-                  </p:cNvPr>
-                  <p:cNvSpPr txBox="1"/>
-                  <p:nvPr/>
-                </p:nvSpPr>
-                <p:spPr>
-                  <a:xfrm>
-                    <a:off x="3037512" y="2374468"/>
-                    <a:ext cx="575956" cy="242805"/>
-                  </a:xfrm>
-                  <a:prstGeom prst="rect">
-                    <a:avLst/>
-                  </a:prstGeom>
-                  <a:noFill/>
-                </p:spPr>
-                <p:txBody>
-                  <a:bodyPr wrap="none" rtlCol="0">
-                    <a:spAutoFit/>
-                  </a:bodyPr>
-                  <a:lstStyle/>
-                  <a:p>
-                    <a:pPr/>
-                    <a14:m>
-                      <m:oMathPara xmlns:m="http://schemas.openxmlformats.org/officeDocument/2006/math">
-                        <m:oMathParaPr>
-                          <m:jc m:val="centerGroup"/>
-                        </m:oMathParaPr>
-                        <m:oMath xmlns:m="http://schemas.openxmlformats.org/officeDocument/2006/math">
-                          <m:r>
-                            <a:rPr lang="en-US" sz="1905" i="1">
-                              <a:latin typeface="Cambria Math" panose="02040503050406030204" pitchFamily="18" charset="0"/>
-                              <a:cs typeface="Arial" panose="020B0604020202020204" pitchFamily="34" charset="0"/>
-                            </a:rPr>
-                            <m:t>𝑚</m:t>
-                          </m:r>
-                          <m:r>
-                            <a:rPr lang="en-US" sz="1905" i="1">
-                              <a:latin typeface="Cambria Math" panose="02040503050406030204" pitchFamily="18" charset="0"/>
-                              <a:cs typeface="Arial" panose="020B0604020202020204" pitchFamily="34" charset="0"/>
-                            </a:rPr>
-                            <m:t>=2</m:t>
-                          </m:r>
-                        </m:oMath>
-                      </m:oMathPara>
-                    </a14:m>
-                    <a:endParaRPr lang="en-US" sz="1905" dirty="0">
-                      <a:latin typeface="Arial" panose="020B0604020202020204" pitchFamily="34" charset="0"/>
-                      <a:cs typeface="Arial" panose="020B0604020202020204" pitchFamily="34" charset="0"/>
-                    </a:endParaRPr>
-                  </a:p>
-                </p:txBody>
-              </p:sp>
-            </mc:Choice>
-            <mc:Fallback>
-              <p:sp>
-                <p:nvSpPr>
-                  <p:cNvPr id="58" name="TextBox 57">
-                    <a:extLst>
-                      <a:ext uri="{FF2B5EF4-FFF2-40B4-BE49-F238E27FC236}">
-                        <a16:creationId xmlns:a16="http://schemas.microsoft.com/office/drawing/2014/main" id="{042C3B17-657F-7F53-525F-D69CFFDE9B7A}"/>
-                      </a:ext>
-                    </a:extLst>
-                  </p:cNvPr>
-                  <p:cNvSpPr txBox="1">
-                    <a:spLocks noRot="1" noChangeAspect="1" noMove="1" noResize="1" noEditPoints="1" noAdjustHandles="1" noChangeArrowheads="1" noChangeShapeType="1" noTextEdit="1"/>
-                  </p:cNvSpPr>
-                  <p:nvPr/>
-                </p:nvSpPr>
-                <p:spPr>
-                  <a:xfrm>
-                    <a:off x="3037512" y="2374468"/>
-                    <a:ext cx="575956" cy="242805"/>
-                  </a:xfrm>
-                  <a:prstGeom prst="rect">
-                    <a:avLst/>
-                  </a:prstGeom>
-                  <a:blipFill>
-                    <a:blip r:embed="rId3"/>
-                    <a:stretch>
-                      <a:fillRect/>
-                    </a:stretch>
-                  </a:blipFill>
-                </p:spPr>
-                <p:txBody>
-                  <a:bodyPr/>
-                  <a:lstStyle/>
-                  <a:p>
-                    <a:r>
-                      <a:rPr lang="en-US">
-                        <a:noFill/>
-                      </a:rPr>
-                      <a:t> </a:t>
-                    </a:r>
-                  </a:p>
-                </p:txBody>
-              </p:sp>
-            </mc:Fallback>
-          </mc:AlternateContent>
-          <mc:AlternateContent xmlns:mc="http://schemas.openxmlformats.org/markup-compatibility/2006">
-            <mc:Choice xmlns:a14="http://schemas.microsoft.com/office/drawing/2010/main" Requires="a14">
-              <p:sp>
-                <p:nvSpPr>
-                  <p:cNvPr id="59" name="TextBox 58">
-                    <a:extLst>
-                      <a:ext uri="{FF2B5EF4-FFF2-40B4-BE49-F238E27FC236}">
-                        <a16:creationId xmlns:a16="http://schemas.microsoft.com/office/drawing/2014/main" id="{51D8687F-5223-7B34-0FC7-EABAB0D48B82}"/>
-                      </a:ext>
-                    </a:extLst>
-                  </p:cNvPr>
-                  <p:cNvSpPr txBox="1"/>
-                  <p:nvPr/>
-                </p:nvSpPr>
-                <p:spPr>
-                  <a:xfrm>
-                    <a:off x="3405157" y="1790462"/>
-                    <a:ext cx="575956" cy="242805"/>
-                  </a:xfrm>
-                  <a:prstGeom prst="rect">
-                    <a:avLst/>
-                  </a:prstGeom>
-                  <a:noFill/>
-                </p:spPr>
-                <p:txBody>
-                  <a:bodyPr wrap="none" rtlCol="0">
-                    <a:spAutoFit/>
-                  </a:bodyPr>
-                  <a:lstStyle/>
-                  <a:p>
-                    <a:pPr/>
-                    <a14:m>
-                      <m:oMathPara xmlns:m="http://schemas.openxmlformats.org/officeDocument/2006/math">
-                        <m:oMathParaPr>
-                          <m:jc m:val="centerGroup"/>
-                        </m:oMathParaPr>
-                        <m:oMath xmlns:m="http://schemas.openxmlformats.org/officeDocument/2006/math">
-                          <m:r>
-                            <a:rPr lang="en-US" sz="1905" i="1">
-                              <a:latin typeface="Cambria Math" panose="02040503050406030204" pitchFamily="18" charset="0"/>
-                              <a:cs typeface="Arial" panose="020B0604020202020204" pitchFamily="34" charset="0"/>
-                            </a:rPr>
-                            <m:t>𝑚</m:t>
-                          </m:r>
-                          <m:r>
-                            <a:rPr lang="en-US" sz="1905" i="1">
-                              <a:latin typeface="Cambria Math" panose="02040503050406030204" pitchFamily="18" charset="0"/>
-                              <a:cs typeface="Arial" panose="020B0604020202020204" pitchFamily="34" charset="0"/>
-                            </a:rPr>
-                            <m:t>=1</m:t>
-                          </m:r>
-                        </m:oMath>
-                      </m:oMathPara>
-                    </a14:m>
-                    <a:endParaRPr lang="en-US" sz="1905" dirty="0">
-                      <a:latin typeface="Arial" panose="020B0604020202020204" pitchFamily="34" charset="0"/>
-                      <a:cs typeface="Arial" panose="020B0604020202020204" pitchFamily="34" charset="0"/>
-                    </a:endParaRPr>
-                  </a:p>
-                </p:txBody>
-              </p:sp>
-            </mc:Choice>
-            <mc:Fallback>
-              <p:sp>
-                <p:nvSpPr>
-                  <p:cNvPr id="59" name="TextBox 58">
-                    <a:extLst>
-                      <a:ext uri="{FF2B5EF4-FFF2-40B4-BE49-F238E27FC236}">
-                        <a16:creationId xmlns:a16="http://schemas.microsoft.com/office/drawing/2014/main" id="{51D8687F-5223-7B34-0FC7-EABAB0D48B82}"/>
-                      </a:ext>
-                    </a:extLst>
-                  </p:cNvPr>
-                  <p:cNvSpPr txBox="1">
-                    <a:spLocks noRot="1" noChangeAspect="1" noMove="1" noResize="1" noEditPoints="1" noAdjustHandles="1" noChangeArrowheads="1" noChangeShapeType="1" noTextEdit="1"/>
-                  </p:cNvSpPr>
-                  <p:nvPr/>
-                </p:nvSpPr>
-                <p:spPr>
-                  <a:xfrm>
-                    <a:off x="3405157" y="1790462"/>
-                    <a:ext cx="575956" cy="242805"/>
-                  </a:xfrm>
-                  <a:prstGeom prst="rect">
-                    <a:avLst/>
-                  </a:prstGeom>
-                  <a:blipFill>
-                    <a:blip r:embed="rId4"/>
-                    <a:stretch>
-                      <a:fillRect/>
-                    </a:stretch>
-                  </a:blipFill>
-                </p:spPr>
-                <p:txBody>
-                  <a:bodyPr/>
-                  <a:lstStyle/>
-                  <a:p>
-                    <a:r>
-                      <a:rPr lang="en-US">
-                        <a:noFill/>
-                      </a:rPr>
-                      <a:t> </a:t>
-                    </a:r>
-                  </a:p>
-                </p:txBody>
-              </p:sp>
-            </mc:Fallback>
-          </mc:AlternateContent>
         </p:grpSp>
+        <p:sp>
+          <p:nvSpPr>
+            <p:cNvPr id="29" name="Left Bracket 28">
+              <a:extLst>
+                <a:ext uri="{FF2B5EF4-FFF2-40B4-BE49-F238E27FC236}">
+                  <a16:creationId xmlns:a16="http://schemas.microsoft.com/office/drawing/2014/main" id="{25C8DE81-3AAD-B2EB-74BD-D3804790CC07}"/>
+                </a:ext>
+              </a:extLst>
+            </p:cNvPr>
+            <p:cNvSpPr/>
+            <p:nvPr/>
+          </p:nvSpPr>
+          <p:spPr>
+            <a:xfrm>
+              <a:off x="2371378" y="2960837"/>
+              <a:ext cx="106117" cy="1034062"/>
+            </a:xfrm>
+            <a:prstGeom prst="leftBracket">
+              <a:avLst/>
+            </a:prstGeom>
+            <a:ln>
+              <a:solidFill>
+                <a:schemeClr val="bg1">
+                  <a:lumMod val="50000"/>
+                </a:schemeClr>
+              </a:solidFill>
+            </a:ln>
+          </p:spPr>
+          <p:style>
+            <a:lnRef idx="2">
+              <a:schemeClr val="accent1"/>
+            </a:lnRef>
+            <a:fillRef idx="0">
+              <a:schemeClr val="accent1"/>
+            </a:fillRef>
+            <a:effectRef idx="1">
+              <a:schemeClr val="accent1"/>
+            </a:effectRef>
+            <a:fontRef idx="minor">
+              <a:schemeClr val="tx1"/>
+            </a:fontRef>
+          </p:style>
+          <p:txBody>
+            <a:bodyPr rtlCol="0" anchor="ctr"/>
+            <a:lstStyle/>
+            <a:p>
+              <a:pPr algn="ctr"/>
+              <a:endParaRPr lang="en-US" sz="2703" dirty="0"/>
+            </a:p>
+          </p:txBody>
+        </p:sp>
+        <p:sp>
+          <p:nvSpPr>
+            <p:cNvPr id="31" name="TextBox 30">
+              <a:extLst>
+                <a:ext uri="{FF2B5EF4-FFF2-40B4-BE49-F238E27FC236}">
+                  <a16:creationId xmlns:a16="http://schemas.microsoft.com/office/drawing/2014/main" id="{3B95D345-6D24-17DD-15EB-9701461B72DB}"/>
+                </a:ext>
+              </a:extLst>
+            </p:cNvPr>
+            <p:cNvSpPr txBox="1"/>
+            <p:nvPr/>
+          </p:nvSpPr>
+          <p:spPr>
+            <a:xfrm>
+              <a:off x="1893887" y="3323155"/>
+              <a:ext cx="478642" cy="294233"/>
+            </a:xfrm>
+            <a:prstGeom prst="rect">
+              <a:avLst/>
+            </a:prstGeom>
+            <a:noFill/>
+          </p:spPr>
+          <p:txBody>
+            <a:bodyPr wrap="none" rtlCol="0">
+              <a:spAutoFit/>
+            </a:bodyPr>
+            <a:lstStyle/>
+            <a:p>
+              <a:r>
+                <a:rPr lang="en-US" sz="2270" dirty="0">
+                  <a:latin typeface="Arial" panose="020B0604020202020204" pitchFamily="34" charset="0"/>
+                  <a:cs typeface="Arial" panose="020B0604020202020204" pitchFamily="34" charset="0"/>
+                </a:rPr>
+                <a:t>Link</a:t>
+              </a:r>
+            </a:p>
+          </p:txBody>
+        </p:sp>
+        <p:sp>
+          <p:nvSpPr>
+            <p:cNvPr id="32" name="TextBox 31">
+              <a:extLst>
+                <a:ext uri="{FF2B5EF4-FFF2-40B4-BE49-F238E27FC236}">
+                  <a16:creationId xmlns:a16="http://schemas.microsoft.com/office/drawing/2014/main" id="{04A787F8-BB31-EE2C-BC53-96FD790274F6}"/>
+                </a:ext>
+              </a:extLst>
+            </p:cNvPr>
+            <p:cNvSpPr txBox="1"/>
+            <p:nvPr/>
+          </p:nvSpPr>
+          <p:spPr>
+            <a:xfrm>
+              <a:off x="1711636" y="328592"/>
+              <a:ext cx="1865869" cy="294233"/>
+            </a:xfrm>
+            <a:prstGeom prst="rect">
+              <a:avLst/>
+            </a:prstGeom>
+            <a:noFill/>
+          </p:spPr>
+          <p:txBody>
+            <a:bodyPr wrap="none" rtlCol="0">
+              <a:spAutoFit/>
+            </a:bodyPr>
+            <a:lstStyle/>
+            <a:p>
+              <a:r>
+                <a:rPr lang="en-US" sz="2270" dirty="0">
+                  <a:latin typeface="Arial" panose="020B0604020202020204" pitchFamily="34" charset="0"/>
+                  <a:cs typeface="Arial" panose="020B0604020202020204" pitchFamily="34" charset="0"/>
+                </a:rPr>
+                <a:t>Exterior source links</a:t>
+              </a:r>
+            </a:p>
+          </p:txBody>
+        </p:sp>
+        <p:grpSp>
+          <p:nvGrpSpPr>
+            <p:cNvPr id="35" name="Group 34">
+              <a:extLst>
+                <a:ext uri="{FF2B5EF4-FFF2-40B4-BE49-F238E27FC236}">
+                  <a16:creationId xmlns:a16="http://schemas.microsoft.com/office/drawing/2014/main" id="{30A77671-8B6C-373C-AFF2-7AB9239868E9}"/>
+                </a:ext>
+              </a:extLst>
+            </p:cNvPr>
+            <p:cNvGrpSpPr/>
+            <p:nvPr/>
+          </p:nvGrpSpPr>
+          <p:grpSpPr>
+            <a:xfrm rot="2700000">
+              <a:off x="3202406" y="1540668"/>
+              <a:ext cx="1303677" cy="1080000"/>
+              <a:chOff x="2248648" y="2001633"/>
+              <a:chExt cx="1303677" cy="1080000"/>
+            </a:xfrm>
+          </p:grpSpPr>
+          <p:cxnSp>
+            <p:nvCxnSpPr>
+              <p:cNvPr id="36" name="Straight Connector 35">
+                <a:extLst>
+                  <a:ext uri="{FF2B5EF4-FFF2-40B4-BE49-F238E27FC236}">
+                    <a16:creationId xmlns:a16="http://schemas.microsoft.com/office/drawing/2014/main" id="{F9A556E6-2CD9-A73F-F008-50DBAAFE8BCA}"/>
+                  </a:ext>
+                </a:extLst>
+              </p:cNvPr>
+              <p:cNvCxnSpPr>
+                <a:cxnSpLocks/>
+              </p:cNvCxnSpPr>
+              <p:nvPr/>
+            </p:nvCxnSpPr>
+            <p:spPr>
+              <a:xfrm rot="18900000" flipV="1">
+                <a:off x="2248648" y="2001633"/>
+                <a:ext cx="0" cy="1080000"/>
+              </a:xfrm>
+              <a:prstGeom prst="line">
+                <a:avLst/>
+              </a:prstGeom>
+              <a:ln>
+                <a:solidFill>
+                  <a:srgbClr val="2B2B2B"/>
+                </a:solidFill>
+              </a:ln>
+            </p:spPr>
+            <p:style>
+              <a:lnRef idx="2">
+                <a:schemeClr val="accent1"/>
+              </a:lnRef>
+              <a:fillRef idx="0">
+                <a:schemeClr val="accent1"/>
+              </a:fillRef>
+              <a:effectRef idx="1">
+                <a:schemeClr val="accent1"/>
+              </a:effectRef>
+              <a:fontRef idx="minor">
+                <a:schemeClr val="tx1"/>
+              </a:fontRef>
+            </p:style>
+          </p:cxnSp>
+          <p:cxnSp>
+            <p:nvCxnSpPr>
+              <p:cNvPr id="37" name="Straight Connector 36">
+                <a:extLst>
+                  <a:ext uri="{FF2B5EF4-FFF2-40B4-BE49-F238E27FC236}">
+                    <a16:creationId xmlns:a16="http://schemas.microsoft.com/office/drawing/2014/main" id="{575072C4-A713-4A1E-7279-418FA4CCF65E}"/>
+                  </a:ext>
+                </a:extLst>
+              </p:cNvPr>
+              <p:cNvCxnSpPr>
+                <a:cxnSpLocks/>
+              </p:cNvCxnSpPr>
+              <p:nvPr/>
+            </p:nvCxnSpPr>
+            <p:spPr>
+              <a:xfrm rot="2700000" flipV="1">
+                <a:off x="3012325" y="2001633"/>
+                <a:ext cx="0" cy="1080000"/>
+              </a:xfrm>
+              <a:prstGeom prst="line">
+                <a:avLst/>
+              </a:prstGeom>
+              <a:ln>
+                <a:solidFill>
+                  <a:srgbClr val="2B2B2B"/>
+                </a:solidFill>
+              </a:ln>
+            </p:spPr>
+            <p:style>
+              <a:lnRef idx="2">
+                <a:schemeClr val="accent1"/>
+              </a:lnRef>
+              <a:fillRef idx="0">
+                <a:schemeClr val="accent1"/>
+              </a:fillRef>
+              <a:effectRef idx="1">
+                <a:schemeClr val="accent1"/>
+              </a:effectRef>
+              <a:fontRef idx="minor">
+                <a:schemeClr val="tx1"/>
+              </a:fontRef>
+            </p:style>
+          </p:cxnSp>
+        </p:grpSp>
+        <p:grpSp>
+          <p:nvGrpSpPr>
+            <p:cNvPr id="39" name="Group 38">
+              <a:extLst>
+                <a:ext uri="{FF2B5EF4-FFF2-40B4-BE49-F238E27FC236}">
+                  <a16:creationId xmlns:a16="http://schemas.microsoft.com/office/drawing/2014/main" id="{F70A6017-54ED-F5AA-2C30-922DDBA167FB}"/>
+                </a:ext>
+              </a:extLst>
+            </p:cNvPr>
+            <p:cNvGrpSpPr/>
+            <p:nvPr/>
+          </p:nvGrpSpPr>
+          <p:grpSpPr>
+            <a:xfrm rot="-2700000">
+              <a:off x="1135054" y="1158876"/>
+              <a:ext cx="1303677" cy="1080000"/>
+              <a:chOff x="2248648" y="2001633"/>
+              <a:chExt cx="1303677" cy="1080000"/>
+            </a:xfrm>
+          </p:grpSpPr>
+          <p:cxnSp>
+            <p:nvCxnSpPr>
+              <p:cNvPr id="40" name="Straight Connector 39">
+                <a:extLst>
+                  <a:ext uri="{FF2B5EF4-FFF2-40B4-BE49-F238E27FC236}">
+                    <a16:creationId xmlns:a16="http://schemas.microsoft.com/office/drawing/2014/main" id="{5C14E1A9-9261-0C1E-A5E7-BD46DADB4330}"/>
+                  </a:ext>
+                </a:extLst>
+              </p:cNvPr>
+              <p:cNvCxnSpPr>
+                <a:cxnSpLocks/>
+              </p:cNvCxnSpPr>
+              <p:nvPr/>
+            </p:nvCxnSpPr>
+            <p:spPr>
+              <a:xfrm rot="18900000" flipV="1">
+                <a:off x="2248648" y="2001633"/>
+                <a:ext cx="0" cy="1080000"/>
+              </a:xfrm>
+              <a:prstGeom prst="line">
+                <a:avLst/>
+              </a:prstGeom>
+              <a:ln>
+                <a:solidFill>
+                  <a:srgbClr val="2B2B2B"/>
+                </a:solidFill>
+              </a:ln>
+            </p:spPr>
+            <p:style>
+              <a:lnRef idx="2">
+                <a:schemeClr val="accent1"/>
+              </a:lnRef>
+              <a:fillRef idx="0">
+                <a:schemeClr val="accent1"/>
+              </a:fillRef>
+              <a:effectRef idx="1">
+                <a:schemeClr val="accent1"/>
+              </a:effectRef>
+              <a:fontRef idx="minor">
+                <a:schemeClr val="tx1"/>
+              </a:fontRef>
+            </p:style>
+          </p:cxnSp>
+          <p:cxnSp>
+            <p:nvCxnSpPr>
+              <p:cNvPr id="41" name="Straight Connector 40">
+                <a:extLst>
+                  <a:ext uri="{FF2B5EF4-FFF2-40B4-BE49-F238E27FC236}">
+                    <a16:creationId xmlns:a16="http://schemas.microsoft.com/office/drawing/2014/main" id="{5AD3741D-990D-A897-6D7A-D12B1BC11041}"/>
+                  </a:ext>
+                </a:extLst>
+              </p:cNvPr>
+              <p:cNvCxnSpPr>
+                <a:cxnSpLocks/>
+              </p:cNvCxnSpPr>
+              <p:nvPr/>
+            </p:nvCxnSpPr>
+            <p:spPr>
+              <a:xfrm rot="2700000" flipV="1">
+                <a:off x="3012325" y="2001633"/>
+                <a:ext cx="0" cy="1080000"/>
+              </a:xfrm>
+              <a:prstGeom prst="line">
+                <a:avLst/>
+              </a:prstGeom>
+              <a:ln>
+                <a:solidFill>
+                  <a:srgbClr val="2B2B2B"/>
+                </a:solidFill>
+              </a:ln>
+            </p:spPr>
+            <p:style>
+              <a:lnRef idx="2">
+                <a:schemeClr val="accent1"/>
+              </a:lnRef>
+              <a:fillRef idx="0">
+                <a:schemeClr val="accent1"/>
+              </a:fillRef>
+              <a:effectRef idx="1">
+                <a:schemeClr val="accent1"/>
+              </a:effectRef>
+              <a:fontRef idx="minor">
+                <a:schemeClr val="tx1"/>
+              </a:fontRef>
+            </p:style>
+          </p:cxnSp>
+        </p:grpSp>
+        <p:cxnSp>
+          <p:nvCxnSpPr>
+            <p:cNvPr id="43" name="Straight Connector 42">
+              <a:extLst>
+                <a:ext uri="{FF2B5EF4-FFF2-40B4-BE49-F238E27FC236}">
+                  <a16:creationId xmlns:a16="http://schemas.microsoft.com/office/drawing/2014/main" id="{6A6779D8-7193-CE4D-8228-F29669DD8288}"/>
+                </a:ext>
+              </a:extLst>
+            </p:cNvPr>
+            <p:cNvCxnSpPr>
+              <a:cxnSpLocks/>
+            </p:cNvCxnSpPr>
+            <p:nvPr/>
+          </p:nvCxnSpPr>
+          <p:spPr>
+            <a:xfrm flipV="1">
+              <a:off x="1972541" y="721970"/>
+              <a:ext cx="581746" cy="931607"/>
+            </a:xfrm>
+            <a:prstGeom prst="line">
+              <a:avLst/>
+            </a:prstGeom>
+            <a:ln>
+              <a:solidFill>
+                <a:schemeClr val="bg1">
+                  <a:lumMod val="50000"/>
+                </a:schemeClr>
+              </a:solidFill>
+              <a:prstDash val="sysDash"/>
+              <a:headEnd type="triangle"/>
+              <a:tailEnd type="none"/>
+            </a:ln>
+          </p:spPr>
+          <p:style>
+            <a:lnRef idx="2">
+              <a:schemeClr val="accent1"/>
+            </a:lnRef>
+            <a:fillRef idx="0">
+              <a:schemeClr val="accent1"/>
+            </a:fillRef>
+            <a:effectRef idx="1">
+              <a:schemeClr val="accent1"/>
+            </a:effectRef>
+            <a:fontRef idx="minor">
+              <a:schemeClr val="tx1"/>
+            </a:fontRef>
+          </p:style>
+        </p:cxnSp>
+        <p:sp>
+          <p:nvSpPr>
+            <p:cNvPr id="48" name="Arc 47">
+              <a:extLst>
+                <a:ext uri="{FF2B5EF4-FFF2-40B4-BE49-F238E27FC236}">
+                  <a16:creationId xmlns:a16="http://schemas.microsoft.com/office/drawing/2014/main" id="{15F0CB5D-BA5E-4D7F-9F48-642FE7B45F70}"/>
+                </a:ext>
+              </a:extLst>
+            </p:cNvPr>
+            <p:cNvSpPr/>
+            <p:nvPr/>
+          </p:nvSpPr>
+          <p:spPr>
+            <a:xfrm flipH="1">
+              <a:off x="1049335" y="721972"/>
+              <a:ext cx="2756401" cy="2571230"/>
+            </a:xfrm>
+            <a:prstGeom prst="arc">
+              <a:avLst/>
+            </a:prstGeom>
+            <a:ln>
+              <a:solidFill>
+                <a:schemeClr val="bg1">
+                  <a:lumMod val="50000"/>
+                </a:schemeClr>
+              </a:solidFill>
+              <a:prstDash val="sysDash"/>
+              <a:tailEnd type="triangle"/>
+            </a:ln>
+          </p:spPr>
+          <p:style>
+            <a:lnRef idx="2">
+              <a:schemeClr val="accent1"/>
+            </a:lnRef>
+            <a:fillRef idx="0">
+              <a:schemeClr val="accent1"/>
+            </a:fillRef>
+            <a:effectRef idx="1">
+              <a:schemeClr val="accent1"/>
+            </a:effectRef>
+            <a:fontRef idx="minor">
+              <a:schemeClr val="tx1"/>
+            </a:fontRef>
+          </p:style>
+          <p:txBody>
+            <a:bodyPr rtlCol="0" anchor="ctr"/>
+            <a:lstStyle/>
+            <a:p>
+              <a:pPr algn="ctr"/>
+              <a:endParaRPr lang="en-US" sz="2703"/>
+            </a:p>
+          </p:txBody>
+        </p:sp>
+        <p:sp>
+          <p:nvSpPr>
+            <p:cNvPr id="50" name="Arc 49">
+              <a:extLst>
+                <a:ext uri="{FF2B5EF4-FFF2-40B4-BE49-F238E27FC236}">
+                  <a16:creationId xmlns:a16="http://schemas.microsoft.com/office/drawing/2014/main" id="{07B86C2B-1DCE-6269-D061-80EFA11131AB}"/>
+                </a:ext>
+              </a:extLst>
+            </p:cNvPr>
+            <p:cNvSpPr/>
+            <p:nvPr/>
+          </p:nvSpPr>
+          <p:spPr>
+            <a:xfrm>
+              <a:off x="1474286" y="721972"/>
+              <a:ext cx="2756401" cy="2571230"/>
+            </a:xfrm>
+            <a:prstGeom prst="arc">
+              <a:avLst/>
+            </a:prstGeom>
+            <a:ln>
+              <a:solidFill>
+                <a:schemeClr val="bg1">
+                  <a:lumMod val="50000"/>
+                </a:schemeClr>
+              </a:solidFill>
+              <a:prstDash val="sysDash"/>
+              <a:tailEnd type="triangle"/>
+            </a:ln>
+          </p:spPr>
+          <p:style>
+            <a:lnRef idx="2">
+              <a:schemeClr val="accent1"/>
+            </a:lnRef>
+            <a:fillRef idx="0">
+              <a:schemeClr val="accent1"/>
+            </a:fillRef>
+            <a:effectRef idx="1">
+              <a:schemeClr val="accent1"/>
+            </a:effectRef>
+            <a:fontRef idx="minor">
+              <a:schemeClr val="tx1"/>
+            </a:fontRef>
+          </p:style>
+          <p:txBody>
+            <a:bodyPr rtlCol="0" anchor="ctr"/>
+            <a:lstStyle/>
+            <a:p>
+              <a:pPr algn="ctr"/>
+              <a:endParaRPr lang="en-US" sz="2703" dirty="0"/>
+            </a:p>
+          </p:txBody>
+        </p:sp>
+        <p:cxnSp>
+          <p:nvCxnSpPr>
+            <p:cNvPr id="52" name="Straight Connector 51">
+              <a:extLst>
+                <a:ext uri="{FF2B5EF4-FFF2-40B4-BE49-F238E27FC236}">
+                  <a16:creationId xmlns:a16="http://schemas.microsoft.com/office/drawing/2014/main" id="{95B64C48-2E61-0555-7D41-19AE1F4F8E2C}"/>
+                </a:ext>
+              </a:extLst>
+            </p:cNvPr>
+            <p:cNvCxnSpPr>
+              <a:cxnSpLocks/>
+            </p:cNvCxnSpPr>
+            <p:nvPr/>
+          </p:nvCxnSpPr>
+          <p:spPr>
+            <a:xfrm flipH="1" flipV="1">
+              <a:off x="2745230" y="721970"/>
+              <a:ext cx="567469" cy="953339"/>
+            </a:xfrm>
+            <a:prstGeom prst="line">
+              <a:avLst/>
+            </a:prstGeom>
+            <a:ln>
+              <a:solidFill>
+                <a:schemeClr val="bg1">
+                  <a:lumMod val="50000"/>
+                </a:schemeClr>
+              </a:solidFill>
+              <a:prstDash val="sysDash"/>
+              <a:headEnd type="triangle"/>
+              <a:tailEnd type="none"/>
+            </a:ln>
+          </p:spPr>
+          <p:style>
+            <a:lnRef idx="2">
+              <a:schemeClr val="accent1"/>
+            </a:lnRef>
+            <a:fillRef idx="0">
+              <a:schemeClr val="accent1"/>
+            </a:fillRef>
+            <a:effectRef idx="1">
+              <a:schemeClr val="accent1"/>
+            </a:effectRef>
+            <a:fontRef idx="minor">
+              <a:schemeClr val="tx1"/>
+            </a:fontRef>
+          </p:style>
+        </p:cxnSp>
         <mc:AlternateContent xmlns:mc="http://schemas.openxmlformats.org/markup-compatibility/2006">
           <mc:Choice xmlns:a14="http://schemas.microsoft.com/office/drawing/2010/main" Requires="a14">
             <p:sp>
               <p:nvSpPr>
-                <p:cNvPr id="61" name="TextBox 60">
+                <p:cNvPr id="57" name="TextBox 56">
                   <a:extLst>
                     <a:ext uri="{FF2B5EF4-FFF2-40B4-BE49-F238E27FC236}">
-                      <a16:creationId xmlns:a16="http://schemas.microsoft.com/office/drawing/2014/main" id="{E92E8729-1CDC-5BBA-AF67-830129EAA6E0}"/>
+                      <a16:creationId xmlns:a16="http://schemas.microsoft.com/office/drawing/2014/main" id="{C03BD8F7-1037-EB3E-ECFD-B1BC932560EB}"/>
                     </a:ext>
                   </a:extLst>
                 </p:cNvPr>
@@ -4048,8 +4109,8 @@
               </p:nvSpPr>
               <p:spPr>
                 <a:xfrm>
-                  <a:off x="468437" y="2680"/>
-                  <a:ext cx="1905812" cy="427453"/>
+                  <a:off x="2643157" y="3128657"/>
+                  <a:ext cx="1436565" cy="526954"/>
                 </a:xfrm>
                 <a:prstGeom prst="rect">
                   <a:avLst/>
@@ -4063,55 +4124,42 @@
                 <a:lstStyle/>
                 <a:p>
                   <a:r>
-                    <a:rPr lang="en-US" sz="1905" dirty="0">
+                    <a:rPr lang="en-US" sz="2270" dirty="0">
                       <a:latin typeface="Arial" panose="020B0604020202020204" pitchFamily="34" charset="0"/>
                       <a:cs typeface="Arial" panose="020B0604020202020204" pitchFamily="34" charset="0"/>
                     </a:rPr>
-                    <a:t>Number of links </a:t>
+                    <a:t>Link magnitude</a:t>
                   </a:r>
-                  <a14:m>
-                    <m:oMath xmlns:m="http://schemas.openxmlformats.org/officeDocument/2006/math">
-                      <m:r>
-                        <a:rPr lang="en-US" sz="1905" i="1">
-                          <a:latin typeface="Cambria Math" panose="02040503050406030204" pitchFamily="18" charset="0"/>
-                        </a:rPr>
-                        <m:t>𝐵</m:t>
-                      </m:r>
-                      <m:r>
-                        <a:rPr lang="en-US" sz="1905" i="1">
-                          <a:latin typeface="Cambria Math" panose="02040503050406030204" pitchFamily="18" charset="0"/>
-                        </a:rPr>
-                        <m:t>=7</m:t>
-                      </m:r>
-                    </m:oMath>
-                  </a14:m>
-                  <a:endParaRPr lang="en-US" sz="1905" dirty="0"/>
                 </a:p>
                 <a:p>
-                  <a:r>
-                    <a:rPr lang="en-US" sz="1905" dirty="0">
-                      <a:latin typeface="Arial" panose="020B0604020202020204" pitchFamily="34" charset="0"/>
-                      <a:cs typeface="Arial" panose="020B0604020202020204" pitchFamily="34" charset="0"/>
-                    </a:rPr>
-                    <a:t>Network magnitude </a:t>
-                  </a:r>
+                  <a:pPr/>
                   <a14:m>
-                    <m:oMath xmlns:m="http://schemas.openxmlformats.org/officeDocument/2006/math">
-                      <m:r>
-                        <a:rPr lang="en-US" sz="1905" i="1">
-                          <a:latin typeface="Cambria Math" panose="02040503050406030204" pitchFamily="18" charset="0"/>
-                        </a:rPr>
-                        <m:t>𝑀</m:t>
-                      </m:r>
-                      <m:r>
-                        <a:rPr lang="en-US" sz="1905" i="1">
-                          <a:latin typeface="Cambria Math" panose="02040503050406030204" pitchFamily="18" charset="0"/>
-                        </a:rPr>
-                        <m:t>=4</m:t>
-                      </m:r>
-                    </m:oMath>
+                    <m:oMathPara xmlns:m="http://schemas.openxmlformats.org/officeDocument/2006/math">
+                      <m:oMathParaPr>
+                        <m:jc m:val="left"/>
+                      </m:oMathParaPr>
+                      <m:oMath xmlns:m="http://schemas.openxmlformats.org/officeDocument/2006/math">
+                        <m:r>
+                          <a:rPr lang="en-US" sz="2270" i="1">
+                            <a:latin typeface="Cambria Math" panose="02040503050406030204" pitchFamily="18" charset="0"/>
+                            <a:cs typeface="Arial" panose="020B0604020202020204" pitchFamily="34" charset="0"/>
+                          </a:rPr>
+                          <m:t>𝑚</m:t>
+                        </m:r>
+                        <m:r>
+                          <a:rPr lang="en-US" sz="2270" i="1">
+                            <a:latin typeface="Cambria Math" panose="02040503050406030204" pitchFamily="18" charset="0"/>
+                            <a:cs typeface="Arial" panose="020B0604020202020204" pitchFamily="34" charset="0"/>
+                          </a:rPr>
+                          <m:t>=4</m:t>
+                        </m:r>
+                      </m:oMath>
+                    </m:oMathPara>
                   </a14:m>
-                  <a:endParaRPr lang="en-US" sz="1905" dirty="0"/>
+                  <a:endParaRPr lang="en-US" sz="2270" dirty="0">
+                    <a:latin typeface="Arial" panose="020B0604020202020204" pitchFamily="34" charset="0"/>
+                    <a:cs typeface="Arial" panose="020B0604020202020204" pitchFamily="34" charset="0"/>
+                  </a:endParaRPr>
                 </a:p>
               </p:txBody>
             </p:sp>
@@ -4119,10 +4167,10 @@
           <mc:Fallback>
             <p:sp>
               <p:nvSpPr>
-                <p:cNvPr id="61" name="TextBox 60">
+                <p:cNvPr id="57" name="TextBox 56">
                   <a:extLst>
                     <a:ext uri="{FF2B5EF4-FFF2-40B4-BE49-F238E27FC236}">
-                      <a16:creationId xmlns:a16="http://schemas.microsoft.com/office/drawing/2014/main" id="{E92E8729-1CDC-5BBA-AF67-830129EAA6E0}"/>
+                      <a16:creationId xmlns:a16="http://schemas.microsoft.com/office/drawing/2014/main" id="{C03BD8F7-1037-EB3E-ECFD-B1BC932560EB}"/>
                     </a:ext>
                   </a:extLst>
                 </p:cNvPr>
@@ -4133,16 +4181,230 @@
               </p:nvSpPr>
               <p:spPr>
                 <a:xfrm>
-                  <a:off x="468437" y="2680"/>
-                  <a:ext cx="1905812" cy="427453"/>
+                  <a:off x="2643157" y="3128657"/>
+                  <a:ext cx="1436565" cy="526954"/>
                 </a:xfrm>
                 <a:prstGeom prst="rect">
                   <a:avLst/>
                 </a:prstGeom>
                 <a:blipFill>
-                  <a:blip r:embed="rId5"/>
+                  <a:blip r:embed="rId2"/>
                   <a:stretch>
-                    <a:fillRect l="-1811" t="-6306" b="-13514"/>
+                    <a:fillRect l="-3672" t="-4615" r="-1977"/>
+                  </a:stretch>
+                </a:blipFill>
+              </p:spPr>
+              <p:txBody>
+                <a:bodyPr/>
+                <a:lstStyle/>
+                <a:p>
+                  <a:r>
+                    <a:rPr lang="en-US">
+                      <a:noFill/>
+                    </a:rPr>
+                    <a:t> </a:t>
+                  </a:r>
+                </a:p>
+              </p:txBody>
+            </p:sp>
+          </mc:Fallback>
+        </mc:AlternateContent>
+        <mc:AlternateContent xmlns:mc="http://schemas.openxmlformats.org/markup-compatibility/2006">
+          <mc:Choice xmlns:a14="http://schemas.microsoft.com/office/drawing/2010/main" Requires="a14">
+            <p:sp>
+              <p:nvSpPr>
+                <p:cNvPr id="58" name="TextBox 57">
+                  <a:extLst>
+                    <a:ext uri="{FF2B5EF4-FFF2-40B4-BE49-F238E27FC236}">
+                      <a16:creationId xmlns:a16="http://schemas.microsoft.com/office/drawing/2014/main" id="{042C3B17-657F-7F53-525F-D69CFFDE9B7A}"/>
+                    </a:ext>
+                  </a:extLst>
+                </p:cNvPr>
+                <p:cNvSpPr txBox="1"/>
+                <p:nvPr/>
+              </p:nvSpPr>
+              <p:spPr>
+                <a:xfrm>
+                  <a:off x="3037512" y="2374468"/>
+                  <a:ext cx="702905" cy="294233"/>
+                </a:xfrm>
+                <a:prstGeom prst="rect">
+                  <a:avLst/>
+                </a:prstGeom>
+                <a:noFill/>
+              </p:spPr>
+              <p:txBody>
+                <a:bodyPr wrap="none" rtlCol="0">
+                  <a:spAutoFit/>
+                </a:bodyPr>
+                <a:lstStyle/>
+                <a:p>
+                  <a:pPr/>
+                  <a14:m>
+                    <m:oMathPara xmlns:m="http://schemas.openxmlformats.org/officeDocument/2006/math">
+                      <m:oMathParaPr>
+                        <m:jc m:val="centerGroup"/>
+                      </m:oMathParaPr>
+                      <m:oMath xmlns:m="http://schemas.openxmlformats.org/officeDocument/2006/math">
+                        <m:r>
+                          <a:rPr lang="en-US" sz="2270" i="1">
+                            <a:latin typeface="Cambria Math" panose="02040503050406030204" pitchFamily="18" charset="0"/>
+                            <a:cs typeface="Arial" panose="020B0604020202020204" pitchFamily="34" charset="0"/>
+                          </a:rPr>
+                          <m:t>𝑚</m:t>
+                        </m:r>
+                        <m:r>
+                          <a:rPr lang="en-US" sz="2270" i="1">
+                            <a:latin typeface="Cambria Math" panose="02040503050406030204" pitchFamily="18" charset="0"/>
+                            <a:cs typeface="Arial" panose="020B0604020202020204" pitchFamily="34" charset="0"/>
+                          </a:rPr>
+                          <m:t>=2</m:t>
+                        </m:r>
+                      </m:oMath>
+                    </m:oMathPara>
+                  </a14:m>
+                  <a:endParaRPr lang="en-US" sz="2270" dirty="0">
+                    <a:latin typeface="Arial" panose="020B0604020202020204" pitchFamily="34" charset="0"/>
+                    <a:cs typeface="Arial" panose="020B0604020202020204" pitchFamily="34" charset="0"/>
+                  </a:endParaRPr>
+                </a:p>
+              </p:txBody>
+            </p:sp>
+          </mc:Choice>
+          <mc:Fallback>
+            <p:sp>
+              <p:nvSpPr>
+                <p:cNvPr id="58" name="TextBox 57">
+                  <a:extLst>
+                    <a:ext uri="{FF2B5EF4-FFF2-40B4-BE49-F238E27FC236}">
+                      <a16:creationId xmlns:a16="http://schemas.microsoft.com/office/drawing/2014/main" id="{042C3B17-657F-7F53-525F-D69CFFDE9B7A}"/>
+                    </a:ext>
+                  </a:extLst>
+                </p:cNvPr>
+                <p:cNvSpPr txBox="1">
+                  <a:spLocks noRot="1" noChangeAspect="1" noMove="1" noResize="1" noEditPoints="1" noAdjustHandles="1" noChangeArrowheads="1" noChangeShapeType="1" noTextEdit="1"/>
+                </p:cNvSpPr>
+                <p:nvPr/>
+              </p:nvSpPr>
+              <p:spPr>
+                <a:xfrm>
+                  <a:off x="3037512" y="2374468"/>
+                  <a:ext cx="702905" cy="294233"/>
+                </a:xfrm>
+                <a:prstGeom prst="rect">
+                  <a:avLst/>
+                </a:prstGeom>
+                <a:blipFill>
+                  <a:blip r:embed="rId3"/>
+                  <a:stretch>
+                    <a:fillRect/>
+                  </a:stretch>
+                </a:blipFill>
+              </p:spPr>
+              <p:txBody>
+                <a:bodyPr/>
+                <a:lstStyle/>
+                <a:p>
+                  <a:r>
+                    <a:rPr lang="en-US">
+                      <a:noFill/>
+                    </a:rPr>
+                    <a:t> </a:t>
+                  </a:r>
+                </a:p>
+              </p:txBody>
+            </p:sp>
+          </mc:Fallback>
+        </mc:AlternateContent>
+        <mc:AlternateContent xmlns:mc="http://schemas.openxmlformats.org/markup-compatibility/2006">
+          <mc:Choice xmlns:a14="http://schemas.microsoft.com/office/drawing/2010/main" Requires="a14">
+            <p:sp>
+              <p:nvSpPr>
+                <p:cNvPr id="59" name="TextBox 58">
+                  <a:extLst>
+                    <a:ext uri="{FF2B5EF4-FFF2-40B4-BE49-F238E27FC236}">
+                      <a16:creationId xmlns:a16="http://schemas.microsoft.com/office/drawing/2014/main" id="{51D8687F-5223-7B34-0FC7-EABAB0D48B82}"/>
+                    </a:ext>
+                  </a:extLst>
+                </p:cNvPr>
+                <p:cNvSpPr txBox="1"/>
+                <p:nvPr/>
+              </p:nvSpPr>
+              <p:spPr>
+                <a:xfrm>
+                  <a:off x="3405157" y="1790462"/>
+                  <a:ext cx="702905" cy="294233"/>
+                </a:xfrm>
+                <a:prstGeom prst="rect">
+                  <a:avLst/>
+                </a:prstGeom>
+                <a:noFill/>
+              </p:spPr>
+              <p:txBody>
+                <a:bodyPr wrap="none" rtlCol="0">
+                  <a:spAutoFit/>
+                </a:bodyPr>
+                <a:lstStyle/>
+                <a:p>
+                  <a:pPr/>
+                  <a14:m>
+                    <m:oMathPara xmlns:m="http://schemas.openxmlformats.org/officeDocument/2006/math">
+                      <m:oMathParaPr>
+                        <m:jc m:val="centerGroup"/>
+                      </m:oMathParaPr>
+                      <m:oMath xmlns:m="http://schemas.openxmlformats.org/officeDocument/2006/math">
+                        <m:r>
+                          <a:rPr lang="en-US" sz="2270" i="1">
+                            <a:latin typeface="Cambria Math" panose="02040503050406030204" pitchFamily="18" charset="0"/>
+                            <a:cs typeface="Arial" panose="020B0604020202020204" pitchFamily="34" charset="0"/>
+                          </a:rPr>
+                          <m:t>𝑚</m:t>
+                        </m:r>
+                        <m:r>
+                          <a:rPr lang="en-US" sz="2270" i="1">
+                            <a:latin typeface="Cambria Math" panose="02040503050406030204" pitchFamily="18" charset="0"/>
+                            <a:cs typeface="Arial" panose="020B0604020202020204" pitchFamily="34" charset="0"/>
+                          </a:rPr>
+                          <m:t>=1</m:t>
+                        </m:r>
+                      </m:oMath>
+                    </m:oMathPara>
+                  </a14:m>
+                  <a:endParaRPr lang="en-US" sz="2270" dirty="0">
+                    <a:latin typeface="Arial" panose="020B0604020202020204" pitchFamily="34" charset="0"/>
+                    <a:cs typeface="Arial" panose="020B0604020202020204" pitchFamily="34" charset="0"/>
+                  </a:endParaRPr>
+                </a:p>
+              </p:txBody>
+            </p:sp>
+          </mc:Choice>
+          <mc:Fallback>
+            <p:sp>
+              <p:nvSpPr>
+                <p:cNvPr id="59" name="TextBox 58">
+                  <a:extLst>
+                    <a:ext uri="{FF2B5EF4-FFF2-40B4-BE49-F238E27FC236}">
+                      <a16:creationId xmlns:a16="http://schemas.microsoft.com/office/drawing/2014/main" id="{51D8687F-5223-7B34-0FC7-EABAB0D48B82}"/>
+                    </a:ext>
+                  </a:extLst>
+                </p:cNvPr>
+                <p:cNvSpPr txBox="1">
+                  <a:spLocks noRot="1" noChangeAspect="1" noMove="1" noResize="1" noEditPoints="1" noAdjustHandles="1" noChangeArrowheads="1" noChangeShapeType="1" noTextEdit="1"/>
+                </p:cNvSpPr>
+                <p:nvPr/>
+              </p:nvSpPr>
+              <p:spPr>
+                <a:xfrm>
+                  <a:off x="3405157" y="1790462"/>
+                  <a:ext cx="702905" cy="294233"/>
+                </a:xfrm>
+                <a:prstGeom prst="rect">
+                  <a:avLst/>
+                </a:prstGeom>
+                <a:blipFill>
+                  <a:blip r:embed="rId4"/>
+                  <a:stretch>
+                    <a:fillRect/>
                   </a:stretch>
                 </a:blipFill>
               </p:spPr>

--- a/tex/figure_si_magnitude.pptx
+++ b/tex/figure_si_magnitude.pptx
@@ -125,12 +125,12 @@
   <pc:docChgLst>
     <pc:chgData name="Akira Terui" userId="3f83de79-c81c-43e2-ac56-bbb755c07a02" providerId="ADAL" clId="{35BF1FDE-9884-4C57-991E-3B7359E1801E}"/>
     <pc:docChg chg="undo custSel modSld modMainMaster">
-      <pc:chgData name="Akira Terui" userId="3f83de79-c81c-43e2-ac56-bbb755c07a02" providerId="ADAL" clId="{35BF1FDE-9884-4C57-991E-3B7359E1801E}" dt="2025-08-18T20:43:16.108" v="113" actId="1036"/>
+      <pc:chgData name="Akira Terui" userId="3f83de79-c81c-43e2-ac56-bbb755c07a02" providerId="ADAL" clId="{35BF1FDE-9884-4C57-991E-3B7359E1801E}" dt="2025-08-18T20:52:11.970" v="125" actId="692"/>
       <pc:docMkLst>
         <pc:docMk/>
       </pc:docMkLst>
       <pc:sldChg chg="delSp modSp mod">
-        <pc:chgData name="Akira Terui" userId="3f83de79-c81c-43e2-ac56-bbb755c07a02" providerId="ADAL" clId="{35BF1FDE-9884-4C57-991E-3B7359E1801E}" dt="2025-08-18T20:43:16.108" v="113" actId="1036"/>
+        <pc:chgData name="Akira Terui" userId="3f83de79-c81c-43e2-ac56-bbb755c07a02" providerId="ADAL" clId="{35BF1FDE-9884-4C57-991E-3B7359E1801E}" dt="2025-08-18T20:52:11.970" v="125" actId="692"/>
         <pc:sldMkLst>
           <pc:docMk/>
           <pc:sldMk cId="853386779" sldId="257"/>
@@ -160,7 +160,7 @@
           </ac:spMkLst>
         </pc:spChg>
         <pc:spChg chg="mod">
-          <ac:chgData name="Akira Terui" userId="3f83de79-c81c-43e2-ac56-bbb755c07a02" providerId="ADAL" clId="{35BF1FDE-9884-4C57-991E-3B7359E1801E}" dt="2025-08-18T20:43:00.127" v="81"/>
+          <ac:chgData name="Akira Terui" userId="3f83de79-c81c-43e2-ac56-bbb755c07a02" providerId="ADAL" clId="{35BF1FDE-9884-4C57-991E-3B7359E1801E}" dt="2025-08-18T20:52:11.970" v="125" actId="692"/>
           <ac:spMkLst>
             <pc:docMk/>
             <pc:sldMk cId="853386779" sldId="257"/>
@@ -168,7 +168,7 @@
           </ac:spMkLst>
         </pc:spChg>
         <pc:spChg chg="mod">
-          <ac:chgData name="Akira Terui" userId="3f83de79-c81c-43e2-ac56-bbb755c07a02" providerId="ADAL" clId="{35BF1FDE-9884-4C57-991E-3B7359E1801E}" dt="2025-08-18T20:43:00.127" v="81"/>
+          <ac:chgData name="Akira Terui" userId="3f83de79-c81c-43e2-ac56-bbb755c07a02" providerId="ADAL" clId="{35BF1FDE-9884-4C57-991E-3B7359E1801E}" dt="2025-08-18T20:52:11.970" v="125" actId="692"/>
           <ac:spMkLst>
             <pc:docMk/>
             <pc:sldMk cId="853386779" sldId="257"/>
@@ -239,6 +239,22 @@
             <ac:grpSpMk id="65" creationId="{ABBAA819-4E62-F063-2A21-E7E93B7BEE8A}"/>
           </ac:grpSpMkLst>
         </pc:grpChg>
+        <pc:cxnChg chg="mod">
+          <ac:chgData name="Akira Terui" userId="3f83de79-c81c-43e2-ac56-bbb755c07a02" providerId="ADAL" clId="{35BF1FDE-9884-4C57-991E-3B7359E1801E}" dt="2025-08-18T20:52:11.970" v="125" actId="692"/>
+          <ac:cxnSpMkLst>
+            <pc:docMk/>
+            <pc:sldMk cId="853386779" sldId="257"/>
+            <ac:cxnSpMk id="43" creationId="{6A6779D8-7193-CE4D-8228-F29669DD8288}"/>
+          </ac:cxnSpMkLst>
+        </pc:cxnChg>
+        <pc:cxnChg chg="mod">
+          <ac:chgData name="Akira Terui" userId="3f83de79-c81c-43e2-ac56-bbb755c07a02" providerId="ADAL" clId="{35BF1FDE-9884-4C57-991E-3B7359E1801E}" dt="2025-08-18T20:52:11.970" v="125" actId="692"/>
+          <ac:cxnSpMkLst>
+            <pc:docMk/>
+            <pc:sldMk cId="853386779" sldId="257"/>
+            <ac:cxnSpMk id="52" creationId="{95B64C48-2E61-0555-7D41-19AE1F4F8E2C}"/>
+          </ac:cxnSpMkLst>
+        </pc:cxnChg>
       </pc:sldChg>
       <pc:sldMasterChg chg="modSp modSldLayout">
         <pc:chgData name="Akira Terui" userId="3f83de79-c81c-43e2-ac56-bbb755c07a02" providerId="ADAL" clId="{35BF1FDE-9884-4C57-991E-3B7359E1801E}" dt="2025-08-18T20:43:00.127" v="81"/>
@@ -3913,7 +3929,7 @@
             <a:prstGeom prst="line">
               <a:avLst/>
             </a:prstGeom>
-            <a:ln>
+            <a:ln w="57150">
               <a:solidFill>
                 <a:schemeClr val="bg1">
                   <a:lumMod val="50000"/>
@@ -3959,7 +3975,7 @@
             <a:prstGeom prst="arc">
               <a:avLst/>
             </a:prstGeom>
-            <a:ln>
+            <a:ln w="57150">
               <a:solidFill>
                 <a:schemeClr val="bg1">
                   <a:lumMod val="50000"/>
@@ -4012,7 +4028,7 @@
             <a:prstGeom prst="arc">
               <a:avLst/>
             </a:prstGeom>
-            <a:ln>
+            <a:ln w="57150">
               <a:solidFill>
                 <a:schemeClr val="bg1">
                   <a:lumMod val="50000"/>
@@ -4067,7 +4083,7 @@
             <a:prstGeom prst="line">
               <a:avLst/>
             </a:prstGeom>
-            <a:ln>
+            <a:ln w="57150">
               <a:solidFill>
                 <a:schemeClr val="bg1">
                   <a:lumMod val="50000"/>
@@ -4093,8 +4109,8 @@
             </a:fontRef>
           </p:style>
         </p:cxnSp>
-        <mc:AlternateContent xmlns:mc="http://schemas.openxmlformats.org/markup-compatibility/2006">
-          <mc:Choice xmlns:a14="http://schemas.microsoft.com/office/drawing/2010/main" Requires="a14">
+        <mc:AlternateContent xmlns:mc="http://schemas.openxmlformats.org/markup-compatibility/2006" xmlns:a14="http://schemas.microsoft.com/office/drawing/2010/main">
+          <mc:Choice Requires="a14">
             <p:sp>
               <p:nvSpPr>
                 <p:cNvPr id="57" name="TextBox 56">
@@ -4164,7 +4180,7 @@
               </p:txBody>
             </p:sp>
           </mc:Choice>
-          <mc:Fallback>
+          <mc:Fallback xmlns="">
             <p:sp>
               <p:nvSpPr>
                 <p:cNvPr id="57" name="TextBox 56">
@@ -4209,8 +4225,8 @@
             </p:sp>
           </mc:Fallback>
         </mc:AlternateContent>
-        <mc:AlternateContent xmlns:mc="http://schemas.openxmlformats.org/markup-compatibility/2006">
-          <mc:Choice xmlns:a14="http://schemas.microsoft.com/office/drawing/2010/main" Requires="a14">
+        <mc:AlternateContent xmlns:mc="http://schemas.openxmlformats.org/markup-compatibility/2006" xmlns:a14="http://schemas.microsoft.com/office/drawing/2010/main">
+          <mc:Choice Requires="a14">
             <p:sp>
               <p:nvSpPr>
                 <p:cNvPr id="58" name="TextBox 57">
@@ -4271,7 +4287,7 @@
               </p:txBody>
             </p:sp>
           </mc:Choice>
-          <mc:Fallback>
+          <mc:Fallback xmlns="">
             <p:sp>
               <p:nvSpPr>
                 <p:cNvPr id="58" name="TextBox 57">
@@ -4316,8 +4332,8 @@
             </p:sp>
           </mc:Fallback>
         </mc:AlternateContent>
-        <mc:AlternateContent xmlns:mc="http://schemas.openxmlformats.org/markup-compatibility/2006">
-          <mc:Choice xmlns:a14="http://schemas.microsoft.com/office/drawing/2010/main" Requires="a14">
+        <mc:AlternateContent xmlns:mc="http://schemas.openxmlformats.org/markup-compatibility/2006" xmlns:a14="http://schemas.microsoft.com/office/drawing/2010/main">
+          <mc:Choice Requires="a14">
             <p:sp>
               <p:nvSpPr>
                 <p:cNvPr id="59" name="TextBox 58">
@@ -4378,7 +4394,7 @@
               </p:txBody>
             </p:sp>
           </mc:Choice>
-          <mc:Fallback>
+          <mc:Fallback xmlns="">
             <p:sp>
               <p:nvSpPr>
                 <p:cNvPr id="59" name="TextBox 58">
